--- a/PPT/Module-3/Module3_Fundamental_of_Java_Programming.pptx
+++ b/PPT/Module-3/Module3_Fundamental_of_Java_Programming.pptx
@@ -36,24 +36,27 @@
     <p:sldId id="267" r:id="rId30"/>
     <p:sldId id="282" r:id="rId31"/>
     <p:sldId id="269" r:id="rId32"/>
-    <p:sldId id="270" r:id="rId33"/>
-    <p:sldId id="271" r:id="rId34"/>
-    <p:sldId id="272" r:id="rId35"/>
-    <p:sldId id="273" r:id="rId36"/>
-    <p:sldId id="274" r:id="rId37"/>
-    <p:sldId id="280" r:id="rId38"/>
-    <p:sldId id="281" r:id="rId39"/>
-    <p:sldId id="298" r:id="rId40"/>
-    <p:sldId id="299" r:id="rId41"/>
-    <p:sldId id="300" r:id="rId42"/>
-    <p:sldId id="301" r:id="rId43"/>
-    <p:sldId id="302" r:id="rId44"/>
-    <p:sldId id="303" r:id="rId45"/>
-    <p:sldId id="275" r:id="rId46"/>
-    <p:sldId id="276" r:id="rId47"/>
-    <p:sldId id="277" r:id="rId48"/>
-    <p:sldId id="278" r:id="rId49"/>
-    <p:sldId id="279" r:id="rId50"/>
+    <p:sldId id="305" r:id="rId33"/>
+    <p:sldId id="307" r:id="rId34"/>
+    <p:sldId id="306" r:id="rId35"/>
+    <p:sldId id="270" r:id="rId36"/>
+    <p:sldId id="271" r:id="rId37"/>
+    <p:sldId id="272" r:id="rId38"/>
+    <p:sldId id="273" r:id="rId39"/>
+    <p:sldId id="274" r:id="rId40"/>
+    <p:sldId id="280" r:id="rId41"/>
+    <p:sldId id="281" r:id="rId42"/>
+    <p:sldId id="298" r:id="rId43"/>
+    <p:sldId id="299" r:id="rId44"/>
+    <p:sldId id="300" r:id="rId45"/>
+    <p:sldId id="301" r:id="rId46"/>
+    <p:sldId id="302" r:id="rId47"/>
+    <p:sldId id="303" r:id="rId48"/>
+    <p:sldId id="275" r:id="rId49"/>
+    <p:sldId id="276" r:id="rId50"/>
+    <p:sldId id="277" r:id="rId51"/>
+    <p:sldId id="278" r:id="rId52"/>
+    <p:sldId id="279" r:id="rId53"/>
   </p:sldIdLst>
   <p:sldSz cx="9144000" cy="6858000" type="screen4x3"/>
   <p:notesSz cx="6858000" cy="9144000"/>
@@ -337,7 +340,7 @@
             <a:fld id="{1D8BD707-D9CF-40AE-B4C6-C98DA3205C09}" type="datetimeFigureOut">
               <a:rPr lang="en-US" smtClean="0"/>
               <a:pPr/>
-              <a:t>10/30/2022</a:t>
+              <a:t>11/12/2022</a:t>
             </a:fld>
             <a:endParaRPr lang="en-US"/>
           </a:p>
@@ -504,7 +507,7 @@
             <a:fld id="{1D8BD707-D9CF-40AE-B4C6-C98DA3205C09}" type="datetimeFigureOut">
               <a:rPr lang="en-US" smtClean="0"/>
               <a:pPr/>
-              <a:t>10/30/2022</a:t>
+              <a:t>11/12/2022</a:t>
             </a:fld>
             <a:endParaRPr lang="en-US"/>
           </a:p>
@@ -681,7 +684,7 @@
             <a:fld id="{1D8BD707-D9CF-40AE-B4C6-C98DA3205C09}" type="datetimeFigureOut">
               <a:rPr lang="en-US" smtClean="0"/>
               <a:pPr/>
-              <a:t>10/30/2022</a:t>
+              <a:t>11/12/2022</a:t>
             </a:fld>
             <a:endParaRPr lang="en-US"/>
           </a:p>
@@ -848,7 +851,7 @@
             <a:fld id="{1D8BD707-D9CF-40AE-B4C6-C98DA3205C09}" type="datetimeFigureOut">
               <a:rPr lang="en-US" smtClean="0"/>
               <a:pPr/>
-              <a:t>10/30/2022</a:t>
+              <a:t>11/12/2022</a:t>
             </a:fld>
             <a:endParaRPr lang="en-US"/>
           </a:p>
@@ -1091,7 +1094,7 @@
             <a:fld id="{1D8BD707-D9CF-40AE-B4C6-C98DA3205C09}" type="datetimeFigureOut">
               <a:rPr lang="en-US" smtClean="0"/>
               <a:pPr/>
-              <a:t>10/30/2022</a:t>
+              <a:t>11/12/2022</a:t>
             </a:fld>
             <a:endParaRPr lang="en-US"/>
           </a:p>
@@ -1376,7 +1379,7 @@
             <a:fld id="{1D8BD707-D9CF-40AE-B4C6-C98DA3205C09}" type="datetimeFigureOut">
               <a:rPr lang="en-US" smtClean="0"/>
               <a:pPr/>
-              <a:t>10/30/2022</a:t>
+              <a:t>11/12/2022</a:t>
             </a:fld>
             <a:endParaRPr lang="en-US"/>
           </a:p>
@@ -1795,7 +1798,7 @@
             <a:fld id="{1D8BD707-D9CF-40AE-B4C6-C98DA3205C09}" type="datetimeFigureOut">
               <a:rPr lang="en-US" smtClean="0"/>
               <a:pPr/>
-              <a:t>10/30/2022</a:t>
+              <a:t>11/12/2022</a:t>
             </a:fld>
             <a:endParaRPr lang="en-US"/>
           </a:p>
@@ -1910,7 +1913,7 @@
             <a:fld id="{1D8BD707-D9CF-40AE-B4C6-C98DA3205C09}" type="datetimeFigureOut">
               <a:rPr lang="en-US" smtClean="0"/>
               <a:pPr/>
-              <a:t>10/30/2022</a:t>
+              <a:t>11/12/2022</a:t>
             </a:fld>
             <a:endParaRPr lang="en-US"/>
           </a:p>
@@ -2002,7 +2005,7 @@
             <a:fld id="{1D8BD707-D9CF-40AE-B4C6-C98DA3205C09}" type="datetimeFigureOut">
               <a:rPr lang="en-US" smtClean="0"/>
               <a:pPr/>
-              <a:t>10/30/2022</a:t>
+              <a:t>11/12/2022</a:t>
             </a:fld>
             <a:endParaRPr lang="en-US"/>
           </a:p>
@@ -2276,7 +2279,7 @@
             <a:fld id="{1D8BD707-D9CF-40AE-B4C6-C98DA3205C09}" type="datetimeFigureOut">
               <a:rPr lang="en-US" smtClean="0"/>
               <a:pPr/>
-              <a:t>10/30/2022</a:t>
+              <a:t>11/12/2022</a:t>
             </a:fld>
             <a:endParaRPr lang="en-US"/>
           </a:p>
@@ -2526,7 +2529,7 @@
             <a:fld id="{1D8BD707-D9CF-40AE-B4C6-C98DA3205C09}" type="datetimeFigureOut">
               <a:rPr lang="en-US" smtClean="0"/>
               <a:pPr/>
-              <a:t>10/30/2022</a:t>
+              <a:t>11/12/2022</a:t>
             </a:fld>
             <a:endParaRPr lang="en-US"/>
           </a:p>
@@ -2736,7 +2739,7 @@
             <a:fld id="{1D8BD707-D9CF-40AE-B4C6-C98DA3205C09}" type="datetimeFigureOut">
               <a:rPr lang="en-US" smtClean="0"/>
               <a:pPr/>
-              <a:t>10/30/2022</a:t>
+              <a:t>11/12/2022</a:t>
             </a:fld>
             <a:endParaRPr lang="en-US"/>
           </a:p>
@@ -4946,7 +4949,7 @@
                         </a:spcAft>
                       </a:pPr>
                       <a:r>
-                        <a:rPr lang="en-US" sz="1100">
+                        <a:rPr lang="en-US" sz="1100" dirty="0">
                           <a:latin typeface="Calibri"/>
                           <a:ea typeface="Calibri"/>
                           <a:cs typeface="Times New Roman"/>
@@ -5011,7 +5014,7 @@
                         </a:spcAft>
                       </a:pPr>
                       <a:r>
-                        <a:rPr lang="en-US" sz="1100">
+                        <a:rPr lang="en-US" sz="1100" dirty="0">
                           <a:latin typeface="Calibri"/>
                           <a:ea typeface="Calibri"/>
                           <a:cs typeface="Times New Roman"/>
@@ -5208,7 +5211,7 @@
                         </a:spcAft>
                       </a:pPr>
                       <a:r>
-                        <a:rPr lang="en-US" sz="1100">
+                        <a:rPr lang="en-US" sz="1100" dirty="0">
                           <a:latin typeface="Calibri"/>
                           <a:ea typeface="Calibri"/>
                           <a:cs typeface="Times New Roman"/>
@@ -5273,7 +5276,7 @@
                         </a:spcAft>
                       </a:pPr>
                       <a:r>
-                        <a:rPr lang="en-US" sz="1100">
+                        <a:rPr lang="en-US" sz="1100" dirty="0">
                           <a:latin typeface="Calibri"/>
                           <a:ea typeface="Calibri"/>
                           <a:cs typeface="Times New Roman"/>
@@ -9602,6 +9605,816 @@
           <a:bodyPr/>
           <a:lstStyle/>
           <a:p>
+            <a:endParaRPr lang="en-US"/>
+          </a:p>
+        </p:txBody>
+      </p:sp>
+      <p:sp>
+        <p:nvSpPr>
+          <p:cNvPr id="4" name="Rectangle 3"/>
+          <p:cNvSpPr/>
+          <p:nvPr/>
+        </p:nvSpPr>
+        <p:spPr>
+          <a:xfrm>
+            <a:off x="838200" y="2286000"/>
+            <a:ext cx="1371600" cy="1752600"/>
+          </a:xfrm>
+          <a:prstGeom prst="rect">
+            <a:avLst/>
+          </a:prstGeom>
+          <a:noFill/>
+        </p:spPr>
+        <p:style>
+          <a:lnRef idx="2">
+            <a:schemeClr val="accent1">
+              <a:shade val="50000"/>
+            </a:schemeClr>
+          </a:lnRef>
+          <a:fillRef idx="1">
+            <a:schemeClr val="accent1"/>
+          </a:fillRef>
+          <a:effectRef idx="0">
+            <a:schemeClr val="accent1"/>
+          </a:effectRef>
+          <a:fontRef idx="minor">
+            <a:schemeClr val="lt1"/>
+          </a:fontRef>
+        </p:style>
+        <p:txBody>
+          <a:bodyPr rtlCol="0" anchor="ctr"/>
+          <a:lstStyle/>
+          <a:p>
+            <a:pPr algn="ctr"/>
+            <a:endParaRPr lang="en-US"/>
+          </a:p>
+        </p:txBody>
+      </p:sp>
+      <p:sp>
+        <p:nvSpPr>
+          <p:cNvPr id="5" name="Rectangle 4"/>
+          <p:cNvSpPr/>
+          <p:nvPr/>
+        </p:nvSpPr>
+        <p:spPr>
+          <a:xfrm>
+            <a:off x="3962400" y="3124200"/>
+            <a:ext cx="1066800" cy="1828800"/>
+          </a:xfrm>
+          <a:prstGeom prst="rect">
+            <a:avLst/>
+          </a:prstGeom>
+          <a:noFill/>
+        </p:spPr>
+        <p:style>
+          <a:lnRef idx="2">
+            <a:schemeClr val="accent1">
+              <a:shade val="50000"/>
+            </a:schemeClr>
+          </a:lnRef>
+          <a:fillRef idx="1">
+            <a:schemeClr val="accent1"/>
+          </a:fillRef>
+          <a:effectRef idx="0">
+            <a:schemeClr val="accent1"/>
+          </a:effectRef>
+          <a:fontRef idx="minor">
+            <a:schemeClr val="lt1"/>
+          </a:fontRef>
+        </p:style>
+        <p:txBody>
+          <a:bodyPr rtlCol="0" anchor="ctr"/>
+          <a:lstStyle/>
+          <a:p>
+            <a:pPr algn="ctr"/>
+            <a:endParaRPr lang="en-US"/>
+          </a:p>
+        </p:txBody>
+      </p:sp>
+      <p:sp>
+        <p:nvSpPr>
+          <p:cNvPr id="6" name="Rectangle 5"/>
+          <p:cNvSpPr/>
+          <p:nvPr/>
+        </p:nvSpPr>
+        <p:spPr>
+          <a:xfrm>
+            <a:off x="7086600" y="2133600"/>
+            <a:ext cx="1066800" cy="1905000"/>
+          </a:xfrm>
+          <a:prstGeom prst="rect">
+            <a:avLst/>
+          </a:prstGeom>
+        </p:spPr>
+        <p:style>
+          <a:lnRef idx="2">
+            <a:schemeClr val="accent1">
+              <a:shade val="50000"/>
+            </a:schemeClr>
+          </a:lnRef>
+          <a:fillRef idx="1">
+            <a:schemeClr val="accent1"/>
+          </a:fillRef>
+          <a:effectRef idx="0">
+            <a:schemeClr val="accent1"/>
+          </a:effectRef>
+          <a:fontRef idx="minor">
+            <a:schemeClr val="lt1"/>
+          </a:fontRef>
+        </p:style>
+        <p:txBody>
+          <a:bodyPr rtlCol="0" anchor="ctr"/>
+          <a:lstStyle/>
+          <a:p>
+            <a:pPr algn="ctr"/>
+            <a:endParaRPr lang="en-US"/>
+          </a:p>
+        </p:txBody>
+      </p:sp>
+      <p:sp>
+        <p:nvSpPr>
+          <p:cNvPr id="7" name="Oval 6"/>
+          <p:cNvSpPr/>
+          <p:nvPr/>
+        </p:nvSpPr>
+        <p:spPr>
+          <a:xfrm>
+            <a:off x="3276600" y="5334000"/>
+            <a:ext cx="2438400" cy="1371600"/>
+          </a:xfrm>
+          <a:prstGeom prst="ellipse">
+            <a:avLst/>
+          </a:prstGeom>
+          <a:noFill/>
+        </p:spPr>
+        <p:style>
+          <a:lnRef idx="2">
+            <a:schemeClr val="accent1">
+              <a:shade val="50000"/>
+            </a:schemeClr>
+          </a:lnRef>
+          <a:fillRef idx="1">
+            <a:schemeClr val="accent1"/>
+          </a:fillRef>
+          <a:effectRef idx="0">
+            <a:schemeClr val="accent1"/>
+          </a:effectRef>
+          <a:fontRef idx="minor">
+            <a:schemeClr val="lt1"/>
+          </a:fontRef>
+        </p:style>
+        <p:txBody>
+          <a:bodyPr rtlCol="0" anchor="ctr"/>
+          <a:lstStyle/>
+          <a:p>
+            <a:pPr algn="ctr"/>
+            <a:endParaRPr lang="en-US"/>
+          </a:p>
+        </p:txBody>
+      </p:sp>
+      <p:cxnSp>
+        <p:nvCxnSpPr>
+          <p:cNvPr id="9" name="Straight Arrow Connector 8"/>
+          <p:cNvCxnSpPr>
+            <a:stCxn id="7" idx="0"/>
+          </p:cNvCxnSpPr>
+          <p:nvPr/>
+        </p:nvCxnSpPr>
+        <p:spPr>
+          <a:xfrm rot="5400000" flipH="1" flipV="1">
+            <a:off x="4305300" y="5143500"/>
+            <a:ext cx="381000" cy="1588"/>
+          </a:xfrm>
+          <a:prstGeom prst="straightConnector1">
+            <a:avLst/>
+          </a:prstGeom>
+          <a:ln>
+            <a:tailEnd type="arrow"/>
+          </a:ln>
+        </p:spPr>
+        <p:style>
+          <a:lnRef idx="1">
+            <a:schemeClr val="accent1"/>
+          </a:lnRef>
+          <a:fillRef idx="0">
+            <a:schemeClr val="accent1"/>
+          </a:fillRef>
+          <a:effectRef idx="0">
+            <a:schemeClr val="accent1"/>
+          </a:effectRef>
+          <a:fontRef idx="minor">
+            <a:schemeClr val="tx1"/>
+          </a:fontRef>
+        </p:style>
+      </p:cxnSp>
+      <p:sp>
+        <p:nvSpPr>
+          <p:cNvPr id="13" name="TextBox 12"/>
+          <p:cNvSpPr txBox="1"/>
+          <p:nvPr/>
+        </p:nvSpPr>
+        <p:spPr>
+          <a:xfrm>
+            <a:off x="3886200" y="5867400"/>
+            <a:ext cx="1219200" cy="646331"/>
+          </a:xfrm>
+          <a:prstGeom prst="rect">
+            <a:avLst/>
+          </a:prstGeom>
+          <a:noFill/>
+        </p:spPr>
+        <p:txBody>
+          <a:bodyPr wrap="square" rtlCol="0">
+            <a:spAutoFit/>
+          </a:bodyPr>
+          <a:lstStyle/>
+          <a:p>
+            <a:r>
+              <a:rPr lang="en-US" dirty="0" smtClean="0"/>
+              <a:t>User order an item</a:t>
+            </a:r>
+            <a:endParaRPr lang="en-US" dirty="0"/>
+          </a:p>
+        </p:txBody>
+      </p:sp>
+      <p:sp>
+        <p:nvSpPr>
+          <p:cNvPr id="16" name="TextBox 15"/>
+          <p:cNvSpPr txBox="1"/>
+          <p:nvPr/>
+        </p:nvSpPr>
+        <p:spPr>
+          <a:xfrm>
+            <a:off x="4038600" y="3352800"/>
+            <a:ext cx="990600" cy="646331"/>
+          </a:xfrm>
+          <a:prstGeom prst="rect">
+            <a:avLst/>
+          </a:prstGeom>
+          <a:noFill/>
+        </p:spPr>
+        <p:txBody>
+          <a:bodyPr wrap="square" rtlCol="0">
+            <a:spAutoFit/>
+          </a:bodyPr>
+          <a:lstStyle/>
+          <a:p>
+            <a:r>
+              <a:rPr lang="en-US" dirty="0" smtClean="0"/>
+              <a:t>Order </a:t>
+            </a:r>
+            <a:r>
+              <a:rPr lang="en-US" dirty="0" err="1" smtClean="0"/>
+              <a:t>Recived</a:t>
+            </a:r>
+            <a:endParaRPr lang="en-US" dirty="0"/>
+          </a:p>
+        </p:txBody>
+      </p:sp>
+      <p:sp>
+        <p:nvSpPr>
+          <p:cNvPr id="18" name="TextBox 17"/>
+          <p:cNvSpPr txBox="1"/>
+          <p:nvPr/>
+        </p:nvSpPr>
+        <p:spPr>
+          <a:xfrm>
+            <a:off x="5181600" y="4419600"/>
+            <a:ext cx="1295400" cy="923330"/>
+          </a:xfrm>
+          <a:prstGeom prst="rect">
+            <a:avLst/>
+          </a:prstGeom>
+          <a:noFill/>
+        </p:spPr>
+        <p:txBody>
+          <a:bodyPr wrap="square" rtlCol="0">
+            <a:spAutoFit/>
+          </a:bodyPr>
+          <a:lstStyle/>
+          <a:p>
+            <a:r>
+              <a:rPr lang="en-US" dirty="0" smtClean="0"/>
+              <a:t>Detail store in the databases </a:t>
+            </a:r>
+            <a:endParaRPr lang="en-US" dirty="0"/>
+          </a:p>
+        </p:txBody>
+      </p:sp>
+      <p:cxnSp>
+        <p:nvCxnSpPr>
+          <p:cNvPr id="20" name="Straight Arrow Connector 19"/>
+          <p:cNvCxnSpPr/>
+          <p:nvPr/>
+        </p:nvCxnSpPr>
+        <p:spPr>
+          <a:xfrm rot="10800000">
+            <a:off x="2209800" y="3581400"/>
+            <a:ext cx="1828800" cy="685800"/>
+          </a:xfrm>
+          <a:prstGeom prst="straightConnector1">
+            <a:avLst/>
+          </a:prstGeom>
+          <a:ln>
+            <a:tailEnd type="arrow"/>
+          </a:ln>
+        </p:spPr>
+        <p:style>
+          <a:lnRef idx="1">
+            <a:schemeClr val="accent1"/>
+          </a:lnRef>
+          <a:fillRef idx="0">
+            <a:schemeClr val="accent1"/>
+          </a:fillRef>
+          <a:effectRef idx="0">
+            <a:schemeClr val="accent1"/>
+          </a:effectRef>
+          <a:fontRef idx="minor">
+            <a:schemeClr val="tx1"/>
+          </a:fontRef>
+        </p:style>
+      </p:cxnSp>
+      <p:sp>
+        <p:nvSpPr>
+          <p:cNvPr id="21" name="TextBox 20"/>
+          <p:cNvSpPr txBox="1"/>
+          <p:nvPr/>
+        </p:nvSpPr>
+        <p:spPr>
+          <a:xfrm>
+            <a:off x="2514600" y="3886200"/>
+            <a:ext cx="609600" cy="381000"/>
+          </a:xfrm>
+          <a:prstGeom prst="rect">
+            <a:avLst/>
+          </a:prstGeom>
+          <a:noFill/>
+        </p:spPr>
+        <p:txBody>
+          <a:bodyPr wrap="square" rtlCol="0">
+            <a:spAutoFit/>
+          </a:bodyPr>
+          <a:lstStyle/>
+          <a:p>
+            <a:r>
+              <a:rPr lang="en-US" dirty="0" smtClean="0"/>
+              <a:t>API</a:t>
+            </a:r>
+            <a:endParaRPr lang="en-US" dirty="0"/>
+          </a:p>
+        </p:txBody>
+      </p:sp>
+      <p:sp>
+        <p:nvSpPr>
+          <p:cNvPr id="22" name="TextBox 21"/>
+          <p:cNvSpPr txBox="1"/>
+          <p:nvPr/>
+        </p:nvSpPr>
+        <p:spPr>
+          <a:xfrm>
+            <a:off x="1066800" y="2819400"/>
+            <a:ext cx="685800" cy="369332"/>
+          </a:xfrm>
+          <a:prstGeom prst="rect">
+            <a:avLst/>
+          </a:prstGeom>
+          <a:noFill/>
+        </p:spPr>
+        <p:txBody>
+          <a:bodyPr wrap="square" rtlCol="0">
+            <a:spAutoFit/>
+          </a:bodyPr>
+          <a:lstStyle/>
+          <a:p>
+            <a:r>
+              <a:rPr lang="en-US" dirty="0" smtClean="0"/>
+              <a:t>Bank</a:t>
+            </a:r>
+            <a:endParaRPr lang="en-US" dirty="0"/>
+          </a:p>
+        </p:txBody>
+      </p:sp>
+      <p:cxnSp>
+        <p:nvCxnSpPr>
+          <p:cNvPr id="24" name="Straight Arrow Connector 23"/>
+          <p:cNvCxnSpPr/>
+          <p:nvPr/>
+        </p:nvCxnSpPr>
+        <p:spPr>
+          <a:xfrm>
+            <a:off x="2209800" y="2819400"/>
+            <a:ext cx="1752600" cy="762000"/>
+          </a:xfrm>
+          <a:prstGeom prst="straightConnector1">
+            <a:avLst/>
+          </a:prstGeom>
+          <a:ln>
+            <a:tailEnd type="arrow"/>
+          </a:ln>
+        </p:spPr>
+        <p:style>
+          <a:lnRef idx="1">
+            <a:schemeClr val="accent1"/>
+          </a:lnRef>
+          <a:fillRef idx="0">
+            <a:schemeClr val="accent1"/>
+          </a:fillRef>
+          <a:effectRef idx="0">
+            <a:schemeClr val="accent1"/>
+          </a:effectRef>
+          <a:fontRef idx="minor">
+            <a:schemeClr val="tx1"/>
+          </a:fontRef>
+        </p:style>
+      </p:cxnSp>
+      <p:sp>
+        <p:nvSpPr>
+          <p:cNvPr id="25" name="TextBox 24"/>
+          <p:cNvSpPr txBox="1"/>
+          <p:nvPr/>
+        </p:nvSpPr>
+        <p:spPr>
+          <a:xfrm>
+            <a:off x="2819400" y="2743200"/>
+            <a:ext cx="762000" cy="369332"/>
+          </a:xfrm>
+          <a:prstGeom prst="rect">
+            <a:avLst/>
+          </a:prstGeom>
+          <a:noFill/>
+        </p:spPr>
+        <p:txBody>
+          <a:bodyPr wrap="square" rtlCol="0">
+            <a:spAutoFit/>
+          </a:bodyPr>
+          <a:lstStyle/>
+          <a:p>
+            <a:r>
+              <a:rPr lang="en-US" dirty="0" smtClean="0"/>
+              <a:t>null</a:t>
+            </a:r>
+            <a:endParaRPr lang="en-US" dirty="0"/>
+          </a:p>
+        </p:txBody>
+      </p:sp>
+    </p:spTree>
+  </p:cSld>
+  <p:clrMapOvr>
+    <a:masterClrMapping/>
+  </p:clrMapOvr>
+</p:sld>
+</file>
+
+<file path=ppt/slides/slide33.xml><?xml version="1.0" encoding="utf-8"?>
+<p:sld xmlns:a="http://schemas.openxmlformats.org/drawingml/2006/main" xmlns:r="http://schemas.openxmlformats.org/officeDocument/2006/relationships" xmlns:p="http://schemas.openxmlformats.org/presentationml/2006/main">
+  <p:cSld>
+    <p:spTree>
+      <p:nvGrpSpPr>
+        <p:cNvPr id="1" name=""/>
+        <p:cNvGrpSpPr/>
+        <p:nvPr/>
+      </p:nvGrpSpPr>
+      <p:grpSpPr>
+        <a:xfrm>
+          <a:off x="0" y="0"/>
+          <a:ext cx="0" cy="0"/>
+          <a:chOff x="0" y="0"/>
+          <a:chExt cx="0" cy="0"/>
+        </a:xfrm>
+      </p:grpSpPr>
+      <p:sp>
+        <p:nvSpPr>
+          <p:cNvPr id="2" name="Title 1"/>
+          <p:cNvSpPr>
+            <a:spLocks noGrp="1"/>
+          </p:cNvSpPr>
+          <p:nvPr>
+            <p:ph type="title"/>
+          </p:nvPr>
+        </p:nvSpPr>
+        <p:spPr/>
+        <p:txBody>
+          <a:bodyPr/>
+          <a:lstStyle/>
+          <a:p>
+            <a:endParaRPr lang="en-US"/>
+          </a:p>
+        </p:txBody>
+      </p:sp>
+      <p:sp>
+        <p:nvSpPr>
+          <p:cNvPr id="3" name="Content Placeholder 2"/>
+          <p:cNvSpPr>
+            <a:spLocks noGrp="1"/>
+          </p:cNvSpPr>
+          <p:nvPr>
+            <p:ph idx="1"/>
+          </p:nvPr>
+        </p:nvSpPr>
+        <p:spPr/>
+        <p:txBody>
+          <a:bodyPr/>
+          <a:lstStyle/>
+          <a:p>
+            <a:endParaRPr lang="en-US"/>
+          </a:p>
+        </p:txBody>
+      </p:sp>
+    </p:spTree>
+  </p:cSld>
+  <p:clrMapOvr>
+    <a:masterClrMapping/>
+  </p:clrMapOvr>
+</p:sld>
+</file>
+
+<file path=ppt/slides/slide34.xml><?xml version="1.0" encoding="utf-8"?>
+<p:sld xmlns:a="http://schemas.openxmlformats.org/drawingml/2006/main" xmlns:r="http://schemas.openxmlformats.org/officeDocument/2006/relationships" xmlns:p="http://schemas.openxmlformats.org/presentationml/2006/main">
+  <p:cSld>
+    <p:spTree>
+      <p:nvGrpSpPr>
+        <p:cNvPr id="1" name=""/>
+        <p:cNvGrpSpPr/>
+        <p:nvPr/>
+      </p:nvGrpSpPr>
+      <p:grpSpPr>
+        <a:xfrm>
+          <a:off x="0" y="0"/>
+          <a:ext cx="0" cy="0"/>
+          <a:chOff x="0" y="0"/>
+          <a:chExt cx="0" cy="0"/>
+        </a:xfrm>
+      </p:grpSpPr>
+      <p:sp>
+        <p:nvSpPr>
+          <p:cNvPr id="2" name="Title 1"/>
+          <p:cNvSpPr>
+            <a:spLocks noGrp="1"/>
+          </p:cNvSpPr>
+          <p:nvPr>
+            <p:ph type="title"/>
+          </p:nvPr>
+        </p:nvSpPr>
+        <p:spPr/>
+        <p:txBody>
+          <a:bodyPr/>
+          <a:lstStyle/>
+          <a:p>
+            <a:endParaRPr lang="en-US"/>
+          </a:p>
+        </p:txBody>
+      </p:sp>
+      <p:sp>
+        <p:nvSpPr>
+          <p:cNvPr id="3" name="Content Placeholder 2"/>
+          <p:cNvSpPr>
+            <a:spLocks noGrp="1"/>
+          </p:cNvSpPr>
+          <p:nvPr>
+            <p:ph idx="1"/>
+          </p:nvPr>
+        </p:nvSpPr>
+        <p:spPr/>
+        <p:txBody>
+          <a:bodyPr>
+            <a:normAutofit fontScale="40000" lnSpcReduction="20000"/>
+          </a:bodyPr>
+          <a:lstStyle/>
+          <a:p>
+            <a:r>
+              <a:rPr lang="en-US" dirty="0" smtClean="0"/>
+              <a:t>{</a:t>
+            </a:r>
+          </a:p>
+          <a:p>
+            <a:pPr>
+              <a:buNone/>
+            </a:pPr>
+            <a:r>
+              <a:rPr lang="en-US" dirty="0" smtClean="0"/>
+              <a:t>     </a:t>
+            </a:r>
+            <a:r>
+              <a:rPr lang="en-US" dirty="0" err="1" smtClean="0"/>
+              <a:t>orderId</a:t>
+            </a:r>
+            <a:r>
+              <a:rPr lang="en-US" dirty="0" smtClean="0"/>
+              <a:t>:</a:t>
+            </a:r>
+          </a:p>
+          <a:p>
+            <a:pPr>
+              <a:buNone/>
+            </a:pPr>
+            <a:r>
+              <a:rPr lang="en-US" dirty="0" smtClean="0"/>
+              <a:t> </a:t>
+            </a:r>
+            <a:r>
+              <a:rPr lang="en-US" dirty="0" smtClean="0"/>
+              <a:t>    </a:t>
+            </a:r>
+            <a:r>
+              <a:rPr lang="en-US" dirty="0" err="1" smtClean="0"/>
+              <a:t>customerName</a:t>
+            </a:r>
+            <a:r>
+              <a:rPr lang="en-US" dirty="0" smtClean="0"/>
+              <a:t>:</a:t>
+            </a:r>
+          </a:p>
+          <a:p>
+            <a:pPr>
+              <a:buNone/>
+            </a:pPr>
+            <a:r>
+              <a:rPr lang="en-US" dirty="0" smtClean="0"/>
+              <a:t> </a:t>
+            </a:r>
+            <a:r>
+              <a:rPr lang="en-US" dirty="0" smtClean="0"/>
+              <a:t>    date:</a:t>
+            </a:r>
+          </a:p>
+          <a:p>
+            <a:pPr>
+              <a:buNone/>
+            </a:pPr>
+            <a:r>
+              <a:rPr lang="en-US" dirty="0" smtClean="0"/>
+              <a:t> </a:t>
+            </a:r>
+            <a:r>
+              <a:rPr lang="en-US" dirty="0" smtClean="0"/>
+              <a:t>    </a:t>
+            </a:r>
+            <a:r>
+              <a:rPr lang="en-US" dirty="0" err="1" smtClean="0"/>
+              <a:t>customerAdderss</a:t>
+            </a:r>
+            <a:r>
+              <a:rPr lang="en-US" dirty="0" smtClean="0"/>
+              <a:t>[</a:t>
+            </a:r>
+          </a:p>
+          <a:p>
+            <a:pPr>
+              <a:buNone/>
+            </a:pPr>
+            <a:r>
+              <a:rPr lang="en-US" dirty="0" smtClean="0"/>
+              <a:t>         	</a:t>
+            </a:r>
+            <a:r>
+              <a:rPr lang="en-US" dirty="0" err="1" smtClean="0"/>
+              <a:t>streetName</a:t>
+            </a:r>
+            <a:endParaRPr lang="en-US" dirty="0" smtClean="0"/>
+          </a:p>
+          <a:p>
+            <a:pPr>
+              <a:buNone/>
+            </a:pPr>
+            <a:r>
+              <a:rPr lang="en-US" dirty="0" smtClean="0"/>
+              <a:t>             </a:t>
+            </a:r>
+            <a:r>
+              <a:rPr lang="en-US" dirty="0" err="1" smtClean="0"/>
+              <a:t>pincode</a:t>
+            </a:r>
+            <a:endParaRPr lang="en-US" dirty="0" smtClean="0"/>
+          </a:p>
+          <a:p>
+            <a:pPr>
+              <a:buNone/>
+            </a:pPr>
+            <a:r>
+              <a:rPr lang="en-US" dirty="0" smtClean="0"/>
+              <a:t> </a:t>
+            </a:r>
+            <a:r>
+              <a:rPr lang="en-US" dirty="0" smtClean="0"/>
+              <a:t>            </a:t>
+            </a:r>
+            <a:r>
+              <a:rPr lang="en-US" dirty="0" err="1" smtClean="0"/>
+              <a:t>counrey</a:t>
+            </a:r>
+            <a:endParaRPr lang="en-US" dirty="0" smtClean="0"/>
+          </a:p>
+          <a:p>
+            <a:pPr>
+              <a:buNone/>
+            </a:pPr>
+            <a:r>
+              <a:rPr lang="en-US" dirty="0" smtClean="0"/>
+              <a:t>     ] </a:t>
+            </a:r>
+          </a:p>
+          <a:p>
+            <a:r>
+              <a:rPr lang="en-US" dirty="0" err="1" smtClean="0"/>
+              <a:t>Produc</a:t>
+            </a:r>
+            <a:r>
+              <a:rPr lang="en-US" dirty="0" smtClean="0"/>
+              <a:t>[</a:t>
+            </a:r>
+          </a:p>
+          <a:p>
+            <a:r>
+              <a:rPr lang="en-US" dirty="0" smtClean="0"/>
+              <a:t>   PRODUCT ID </a:t>
+            </a:r>
+          </a:p>
+          <a:p>
+            <a:r>
+              <a:rPr lang="en-US" dirty="0" smtClean="0"/>
+              <a:t>PRODUCT NAME</a:t>
+            </a:r>
+          </a:p>
+          <a:p>
+            <a:endParaRPr lang="en-US" dirty="0" smtClean="0"/>
+          </a:p>
+          <a:p>
+            <a:endParaRPr lang="en-US" dirty="0" smtClean="0"/>
+          </a:p>
+          <a:p>
+            <a:endParaRPr lang="en-US" dirty="0" smtClean="0"/>
+          </a:p>
+          <a:p>
+            <a:endParaRPr lang="en-US" dirty="0" smtClean="0"/>
+          </a:p>
+          <a:p>
+            <a:r>
+              <a:rPr lang="en-US" dirty="0" smtClean="0"/>
+              <a:t>]</a:t>
+            </a:r>
+          </a:p>
+          <a:p>
+            <a:r>
+              <a:rPr lang="en-US" dirty="0" err="1" smtClean="0"/>
+              <a:t>TOTAl</a:t>
+            </a:r>
+            <a:endParaRPr lang="en-US" dirty="0" smtClean="0"/>
+          </a:p>
+          <a:p>
+            <a:endParaRPr lang="en-US" dirty="0" smtClean="0"/>
+          </a:p>
+          <a:p>
+            <a:r>
+              <a:rPr lang="en-US" dirty="0" smtClean="0"/>
+              <a:t>}</a:t>
+            </a:r>
+            <a:endParaRPr lang="en-US" dirty="0" smtClean="0"/>
+          </a:p>
+          <a:p>
+            <a:endParaRPr lang="en-US" dirty="0"/>
+          </a:p>
+        </p:txBody>
+      </p:sp>
+    </p:spTree>
+  </p:cSld>
+  <p:clrMapOvr>
+    <a:masterClrMapping/>
+  </p:clrMapOvr>
+</p:sld>
+</file>
+
+<file path=ppt/slides/slide35.xml><?xml version="1.0" encoding="utf-8"?>
+<p:sld xmlns:a="http://schemas.openxmlformats.org/drawingml/2006/main" xmlns:r="http://schemas.openxmlformats.org/officeDocument/2006/relationships" xmlns:p="http://schemas.openxmlformats.org/presentationml/2006/main">
+  <p:cSld>
+    <p:spTree>
+      <p:nvGrpSpPr>
+        <p:cNvPr id="1" name=""/>
+        <p:cNvGrpSpPr/>
+        <p:nvPr/>
+      </p:nvGrpSpPr>
+      <p:grpSpPr>
+        <a:xfrm>
+          <a:off x="0" y="0"/>
+          <a:ext cx="0" cy="0"/>
+          <a:chOff x="0" y="0"/>
+          <a:chExt cx="0" cy="0"/>
+        </a:xfrm>
+      </p:grpSpPr>
+      <p:sp>
+        <p:nvSpPr>
+          <p:cNvPr id="2" name="Title 1"/>
+          <p:cNvSpPr>
+            <a:spLocks noGrp="1"/>
+          </p:cNvSpPr>
+          <p:nvPr>
+            <p:ph type="title"/>
+          </p:nvPr>
+        </p:nvSpPr>
+        <p:spPr/>
+        <p:txBody>
+          <a:bodyPr/>
+          <a:lstStyle/>
+          <a:p>
             <a:r>
               <a:rPr lang="en-US" dirty="0" smtClean="0"/>
               <a:t>Primitive to Wrapper</a:t>
@@ -9759,308 +10572,6 @@
 </p:sld>
 </file>
 
-<file path=ppt/slides/slide33.xml><?xml version="1.0" encoding="utf-8"?>
-<p:sld xmlns:a="http://schemas.openxmlformats.org/drawingml/2006/main" xmlns:r="http://schemas.openxmlformats.org/officeDocument/2006/relationships" xmlns:p="http://schemas.openxmlformats.org/presentationml/2006/main">
-  <p:cSld>
-    <p:spTree>
-      <p:nvGrpSpPr>
-        <p:cNvPr id="1" name=""/>
-        <p:cNvGrpSpPr/>
-        <p:nvPr/>
-      </p:nvGrpSpPr>
-      <p:grpSpPr>
-        <a:xfrm>
-          <a:off x="0" y="0"/>
-          <a:ext cx="0" cy="0"/>
-          <a:chOff x="0" y="0"/>
-          <a:chExt cx="0" cy="0"/>
-        </a:xfrm>
-      </p:grpSpPr>
-      <p:sp>
-        <p:nvSpPr>
-          <p:cNvPr id="2" name="Title 1"/>
-          <p:cNvSpPr>
-            <a:spLocks noGrp="1"/>
-          </p:cNvSpPr>
-          <p:nvPr>
-            <p:ph type="title"/>
-          </p:nvPr>
-        </p:nvSpPr>
-        <p:spPr/>
-        <p:txBody>
-          <a:bodyPr/>
-          <a:lstStyle/>
-          <a:p>
-            <a:r>
-              <a:rPr lang="en-US" dirty="0" smtClean="0"/>
-              <a:t>Variables</a:t>
-            </a:r>
-            <a:endParaRPr lang="en-US" dirty="0"/>
-          </a:p>
-        </p:txBody>
-      </p:sp>
-      <p:sp>
-        <p:nvSpPr>
-          <p:cNvPr id="3" name="Content Placeholder 2"/>
-          <p:cNvSpPr>
-            <a:spLocks noGrp="1"/>
-          </p:cNvSpPr>
-          <p:nvPr>
-            <p:ph idx="1"/>
-          </p:nvPr>
-        </p:nvSpPr>
-        <p:spPr/>
-        <p:txBody>
-          <a:bodyPr>
-            <a:normAutofit/>
-          </a:bodyPr>
-          <a:lstStyle/>
-          <a:p>
-            <a:r>
-              <a:rPr lang="en-US" sz="1400" dirty="0" smtClean="0"/>
-              <a:t>local variable</a:t>
-            </a:r>
-          </a:p>
-          <a:p>
-            <a:r>
-              <a:rPr lang="en-US" sz="1400" dirty="0" smtClean="0"/>
-              <a:t>*instance variable</a:t>
-            </a:r>
-          </a:p>
-          <a:p>
-            <a:r>
-              <a:rPr lang="en-US" sz="1400" dirty="0" smtClean="0"/>
-              <a:t>*static variable</a:t>
-            </a:r>
-          </a:p>
-          <a:p>
-            <a:r>
-              <a:rPr lang="en-US" sz="1400" dirty="0" smtClean="0"/>
-              <a:t>A variable declared inside the body of the method is called </a:t>
-            </a:r>
-            <a:r>
-              <a:rPr lang="en-US" sz="1400" b="1" dirty="0" smtClean="0"/>
-              <a:t>local variable</a:t>
-            </a:r>
-            <a:r>
-              <a:rPr lang="en-US" sz="1400" dirty="0" smtClean="0"/>
-              <a:t>. You can use this variable only within that method and the other methods in the class aren't even aware that the variable exists.</a:t>
-            </a:r>
-          </a:p>
-          <a:p>
-            <a:endParaRPr lang="en-US" sz="1400" dirty="0" smtClean="0"/>
-          </a:p>
-          <a:p>
-            <a:r>
-              <a:rPr lang="en-US" sz="1400" dirty="0" smtClean="0"/>
-              <a:t>A variable declared inside the class but outside the body of the method, is called an instance variable. It is not declared as</a:t>
-            </a:r>
-            <a:r>
-              <a:rPr lang="en-US" sz="1400" smtClean="0"/>
-              <a:t> static</a:t>
-            </a:r>
-            <a:endParaRPr lang="en-US" sz="1400" dirty="0" smtClean="0"/>
-          </a:p>
-          <a:p>
-            <a:endParaRPr lang="en-US" sz="1400" dirty="0" smtClean="0"/>
-          </a:p>
-          <a:p>
-            <a:r>
-              <a:rPr lang="en-US" sz="1400" dirty="0" smtClean="0"/>
-              <a:t>A variable that is declared as static is called a static variable. It cannot be local. You can create a single copy of the static variable and share it among all the instances of the class. Memory allocation for static variables happens only once when the class is loaded in the memory.</a:t>
-            </a:r>
-            <a:endParaRPr lang="en-US" sz="1400" dirty="0"/>
-          </a:p>
-        </p:txBody>
-      </p:sp>
-    </p:spTree>
-  </p:cSld>
-  <p:clrMapOvr>
-    <a:masterClrMapping/>
-  </p:clrMapOvr>
-</p:sld>
-</file>
-
-<file path=ppt/slides/slide34.xml><?xml version="1.0" encoding="utf-8"?>
-<p:sld xmlns:a="http://schemas.openxmlformats.org/drawingml/2006/main" xmlns:r="http://schemas.openxmlformats.org/officeDocument/2006/relationships" xmlns:p="http://schemas.openxmlformats.org/presentationml/2006/main">
-  <p:cSld>
-    <p:spTree>
-      <p:nvGrpSpPr>
-        <p:cNvPr id="1" name=""/>
-        <p:cNvGrpSpPr/>
-        <p:nvPr/>
-      </p:nvGrpSpPr>
-      <p:grpSpPr>
-        <a:xfrm>
-          <a:off x="0" y="0"/>
-          <a:ext cx="0" cy="0"/>
-          <a:chOff x="0" y="0"/>
-          <a:chExt cx="0" cy="0"/>
-        </a:xfrm>
-      </p:grpSpPr>
-      <p:sp>
-        <p:nvSpPr>
-          <p:cNvPr id="2" name="Title 1"/>
-          <p:cNvSpPr>
-            <a:spLocks noGrp="1"/>
-          </p:cNvSpPr>
-          <p:nvPr>
-            <p:ph type="title"/>
-          </p:nvPr>
-        </p:nvSpPr>
-        <p:spPr/>
-        <p:txBody>
-          <a:bodyPr/>
-          <a:lstStyle/>
-          <a:p>
-            <a:r>
-              <a:rPr lang="en-US" dirty="0" smtClean="0"/>
-              <a:t>Operators</a:t>
-            </a:r>
-            <a:endParaRPr lang="en-US" dirty="0"/>
-          </a:p>
-        </p:txBody>
-      </p:sp>
-      <p:sp>
-        <p:nvSpPr>
-          <p:cNvPr id="3" name="Content Placeholder 2"/>
-          <p:cNvSpPr>
-            <a:spLocks noGrp="1"/>
-          </p:cNvSpPr>
-          <p:nvPr>
-            <p:ph idx="1"/>
-          </p:nvPr>
-        </p:nvSpPr>
-        <p:spPr/>
-        <p:txBody>
-          <a:bodyPr/>
-          <a:lstStyle/>
-          <a:p>
-            <a:r>
-              <a:rPr lang="en-US" dirty="0" smtClean="0"/>
-              <a:t>Arithmetic operators</a:t>
-            </a:r>
-          </a:p>
-          <a:p>
-            <a:r>
-              <a:rPr lang="en-US" dirty="0" smtClean="0"/>
-              <a:t>Assignment operators</a:t>
-            </a:r>
-          </a:p>
-          <a:p>
-            <a:r>
-              <a:rPr lang="en-US" dirty="0" smtClean="0"/>
-              <a:t>Comparison operators</a:t>
-            </a:r>
-          </a:p>
-          <a:p>
-            <a:r>
-              <a:rPr lang="en-US" dirty="0" smtClean="0"/>
-              <a:t>Logical operators</a:t>
-            </a:r>
-          </a:p>
-          <a:p>
-            <a:r>
-              <a:rPr lang="en-US" dirty="0" smtClean="0"/>
-              <a:t>Bitwise operators</a:t>
-            </a:r>
-          </a:p>
-          <a:p>
-            <a:endParaRPr lang="en-US" dirty="0"/>
-          </a:p>
-        </p:txBody>
-      </p:sp>
-    </p:spTree>
-  </p:cSld>
-  <p:clrMapOvr>
-    <a:masterClrMapping/>
-  </p:clrMapOvr>
-</p:sld>
-</file>
-
-<file path=ppt/slides/slide35.xml><?xml version="1.0" encoding="utf-8"?>
-<p:sld xmlns:a="http://schemas.openxmlformats.org/drawingml/2006/main" xmlns:r="http://schemas.openxmlformats.org/officeDocument/2006/relationships" xmlns:p="http://schemas.openxmlformats.org/presentationml/2006/main">
-  <p:cSld>
-    <p:spTree>
-      <p:nvGrpSpPr>
-        <p:cNvPr id="1" name=""/>
-        <p:cNvGrpSpPr/>
-        <p:nvPr/>
-      </p:nvGrpSpPr>
-      <p:grpSpPr>
-        <a:xfrm>
-          <a:off x="0" y="0"/>
-          <a:ext cx="0" cy="0"/>
-          <a:chOff x="0" y="0"/>
-          <a:chExt cx="0" cy="0"/>
-        </a:xfrm>
-      </p:grpSpPr>
-      <p:sp>
-        <p:nvSpPr>
-          <p:cNvPr id="2" name="Title 1"/>
-          <p:cNvSpPr>
-            <a:spLocks noGrp="1"/>
-          </p:cNvSpPr>
-          <p:nvPr>
-            <p:ph type="title"/>
-          </p:nvPr>
-        </p:nvSpPr>
-        <p:spPr/>
-        <p:txBody>
-          <a:bodyPr/>
-          <a:lstStyle/>
-          <a:p>
-            <a:r>
-              <a:rPr lang="en-US" dirty="0" smtClean="0"/>
-              <a:t>Arithmetic</a:t>
-            </a:r>
-            <a:endParaRPr lang="en-US" dirty="0"/>
-          </a:p>
-        </p:txBody>
-      </p:sp>
-      <p:sp>
-        <p:nvSpPr>
-          <p:cNvPr id="3" name="Content Placeholder 2"/>
-          <p:cNvSpPr>
-            <a:spLocks noGrp="1"/>
-          </p:cNvSpPr>
-          <p:nvPr>
-            <p:ph idx="1"/>
-          </p:nvPr>
-        </p:nvSpPr>
-        <p:spPr/>
-        <p:txBody>
-          <a:bodyPr/>
-          <a:lstStyle/>
-          <a:p>
-            <a:r>
-              <a:rPr lang="en-US" dirty="0" smtClean="0"/>
-              <a:t>% Modulus</a:t>
-            </a:r>
-          </a:p>
-          <a:p>
-            <a:r>
-              <a:rPr lang="en-US" dirty="0" smtClean="0"/>
-              <a:t>++Increment</a:t>
-            </a:r>
-          </a:p>
-          <a:p>
-            <a:r>
-              <a:rPr lang="en-US" dirty="0" smtClean="0"/>
-              <a:t>--Decrement</a:t>
-            </a:r>
-            <a:endParaRPr lang="en-US" dirty="0"/>
-          </a:p>
-        </p:txBody>
-      </p:sp>
-    </p:spTree>
-  </p:cSld>
-  <p:clrMapOvr>
-    <a:masterClrMapping/>
-  </p:clrMapOvr>
-</p:sld>
-</file>
-
 <file path=ppt/slides/slide36.xml><?xml version="1.0" encoding="utf-8"?>
 <p:sld xmlns:a="http://schemas.openxmlformats.org/drawingml/2006/main" xmlns:r="http://schemas.openxmlformats.org/officeDocument/2006/relationships" xmlns:p="http://schemas.openxmlformats.org/presentationml/2006/main">
   <p:cSld>
@@ -10095,7 +10606,7 @@
           <a:p>
             <a:r>
               <a:rPr lang="en-US" dirty="0" smtClean="0"/>
-              <a:t>Type Casting</a:t>
+              <a:t>Variables</a:t>
             </a:r>
             <a:endParaRPr lang="en-US" dirty="0"/>
           </a:p>
@@ -10114,87 +10625,64 @@
         <p:spPr/>
         <p:txBody>
           <a:bodyPr>
-            <a:normAutofit fontScale="85000" lnSpcReduction="10000"/>
+            <a:normAutofit/>
           </a:bodyPr>
           <a:lstStyle/>
           <a:p>
             <a:r>
-              <a:rPr lang="en-US" dirty="0" smtClean="0"/>
-              <a:t>Type casting is when you assign a value of one primitive data type to another type</a:t>
-            </a:r>
-          </a:p>
-          <a:p>
-            <a:endParaRPr lang="en-US" dirty="0" smtClean="0"/>
-          </a:p>
-          <a:p>
-            <a:pPr>
-              <a:buNone/>
-            </a:pPr>
-            <a:r>
-              <a:rPr lang="en-US" b="1" dirty="0" smtClean="0"/>
-              <a:t>Widening Casting</a:t>
-            </a:r>
-            <a:r>
-              <a:rPr lang="en-US" dirty="0" smtClean="0"/>
-              <a:t> (automatically) - converting a smaller type to a larger type size</a:t>
-            </a:r>
-            <a:br>
-              <a:rPr lang="en-US" dirty="0" smtClean="0"/>
-            </a:br>
-            <a:r>
-              <a:rPr lang="en-US" dirty="0" smtClean="0"/>
-              <a:t> byte -&gt; short -&gt; char -&gt; </a:t>
-            </a:r>
-            <a:r>
-              <a:rPr lang="en-US" dirty="0" err="1" smtClean="0"/>
-              <a:t>int</a:t>
-            </a:r>
-            <a:r>
-              <a:rPr lang="en-US" dirty="0" smtClean="0"/>
-              <a:t> -&gt; long -&gt; float -&gt; double </a:t>
-            </a:r>
-            <a:br>
-              <a:rPr lang="en-US" dirty="0" smtClean="0"/>
-            </a:br>
-            <a:r>
-              <a:rPr lang="en-US" dirty="0" smtClean="0"/>
-              <a:t/>
-            </a:r>
-            <a:br>
-              <a:rPr lang="en-US" dirty="0" smtClean="0"/>
-            </a:br>
-            <a:endParaRPr lang="en-US" dirty="0" smtClean="0"/>
-          </a:p>
-          <a:p>
-            <a:pPr>
-              <a:buNone/>
-            </a:pPr>
-            <a:r>
-              <a:rPr lang="en-US" b="1" dirty="0" smtClean="0"/>
-              <a:t>Narrowing Casting</a:t>
-            </a:r>
-            <a:r>
-              <a:rPr lang="en-US" dirty="0" smtClean="0"/>
-              <a:t> (manually) - converting a larger type to a smaller size type</a:t>
-            </a:r>
-            <a:br>
-              <a:rPr lang="en-US" dirty="0" smtClean="0"/>
-            </a:br>
-            <a:r>
-              <a:rPr lang="en-US" dirty="0" smtClean="0"/>
-              <a:t> double -&gt; float -&gt; long -&gt; </a:t>
-            </a:r>
-            <a:r>
-              <a:rPr lang="en-US" dirty="0" err="1" smtClean="0"/>
-              <a:t>int</a:t>
-            </a:r>
-            <a:r>
-              <a:rPr lang="en-US" dirty="0" smtClean="0"/>
-              <a:t> -&gt; char -&gt; short -&gt; byte</a:t>
-            </a:r>
-          </a:p>
-          <a:p>
-            <a:endParaRPr lang="en-US" dirty="0"/>
+              <a:rPr lang="en-US" sz="1400" dirty="0" smtClean="0"/>
+              <a:t>local variable</a:t>
+            </a:r>
+          </a:p>
+          <a:p>
+            <a:r>
+              <a:rPr lang="en-US" sz="1400" dirty="0" smtClean="0"/>
+              <a:t>*instance variable</a:t>
+            </a:r>
+          </a:p>
+          <a:p>
+            <a:r>
+              <a:rPr lang="en-US" sz="1400" dirty="0" smtClean="0"/>
+              <a:t>*static variable</a:t>
+            </a:r>
+          </a:p>
+          <a:p>
+            <a:r>
+              <a:rPr lang="en-US" sz="1400" dirty="0" smtClean="0"/>
+              <a:t>A variable declared inside the body of the method is called </a:t>
+            </a:r>
+            <a:r>
+              <a:rPr lang="en-US" sz="1400" b="1" dirty="0" smtClean="0"/>
+              <a:t>local variable</a:t>
+            </a:r>
+            <a:r>
+              <a:rPr lang="en-US" sz="1400" dirty="0" smtClean="0"/>
+              <a:t>. You can use this variable only within that method and the other methods in the class aren't even aware that the variable exists.</a:t>
+            </a:r>
+          </a:p>
+          <a:p>
+            <a:endParaRPr lang="en-US" sz="1400" dirty="0" smtClean="0"/>
+          </a:p>
+          <a:p>
+            <a:r>
+              <a:rPr lang="en-US" sz="1400" dirty="0" smtClean="0"/>
+              <a:t>A variable declared inside the class but outside the body of the method, is called an instance variable. It is not declared as</a:t>
+            </a:r>
+            <a:r>
+              <a:rPr lang="en-US" sz="1400" smtClean="0"/>
+              <a:t> static</a:t>
+            </a:r>
+            <a:endParaRPr lang="en-US" sz="1400" dirty="0" smtClean="0"/>
+          </a:p>
+          <a:p>
+            <a:endParaRPr lang="en-US" sz="1400" dirty="0" smtClean="0"/>
+          </a:p>
+          <a:p>
+            <a:r>
+              <a:rPr lang="en-US" sz="1400" dirty="0" smtClean="0"/>
+              <a:t>A variable that is declared as static is called a static variable. It cannot be local. You can create a single copy of the static variable and share it among all the instances of the class. Memory allocation for static variables happens only once when the class is loaded in the memory.</a:t>
+            </a:r>
+            <a:endParaRPr lang="en-US" sz="1400" dirty="0"/>
           </a:p>
         </p:txBody>
       </p:sp>
@@ -10240,7 +10728,7 @@
           <a:p>
             <a:r>
               <a:rPr lang="en-US" dirty="0" smtClean="0"/>
-              <a:t>Wide Casting</a:t>
+              <a:t>Operators</a:t>
             </a:r>
             <a:endParaRPr lang="en-US" dirty="0"/>
           </a:p>
@@ -10262,77 +10750,35 @@
           <a:lstStyle/>
           <a:p>
             <a:r>
-              <a:rPr lang="en-US" dirty="0" err="1" smtClean="0"/>
-              <a:t>int</a:t>
-            </a:r>
-            <a:r>
-              <a:rPr lang="en-US" dirty="0" smtClean="0"/>
-              <a:t> </a:t>
-            </a:r>
-            <a:r>
-              <a:rPr lang="en-US" dirty="0" err="1" smtClean="0"/>
-              <a:t>myInt</a:t>
-            </a:r>
-            <a:r>
-              <a:rPr lang="en-US" dirty="0" smtClean="0"/>
-              <a:t> = 10; </a:t>
-            </a:r>
-          </a:p>
-          <a:p>
-            <a:r>
-              <a:rPr lang="en-US" dirty="0" smtClean="0"/>
-              <a:t>double </a:t>
-            </a:r>
-            <a:r>
-              <a:rPr lang="en-US" dirty="0" err="1" smtClean="0"/>
-              <a:t>myDoubled</a:t>
-            </a:r>
-            <a:r>
-              <a:rPr lang="en-US" dirty="0" smtClean="0"/>
-              <a:t> = </a:t>
-            </a:r>
-            <a:r>
-              <a:rPr lang="en-US" dirty="0" err="1" smtClean="0"/>
-              <a:t>myInt</a:t>
-            </a:r>
-            <a:r>
-              <a:rPr lang="en-US" dirty="0" smtClean="0"/>
-              <a:t>; // Automatic casting: </a:t>
-            </a:r>
-          </a:p>
-          <a:p>
-            <a:r>
-              <a:rPr lang="en-US" dirty="0" err="1" smtClean="0"/>
-              <a:t>System.out.println</a:t>
-            </a:r>
-            <a:r>
-              <a:rPr lang="en-US" dirty="0" smtClean="0"/>
-              <a:t>(</a:t>
-            </a:r>
-            <a:r>
-              <a:rPr lang="en-US" dirty="0" err="1" smtClean="0"/>
-              <a:t>myInt</a:t>
-            </a:r>
-            <a:r>
-              <a:rPr lang="en-US" dirty="0" smtClean="0"/>
-              <a:t>); </a:t>
-            </a:r>
-            <a:r>
-              <a:rPr lang="en-US" dirty="0" err="1" smtClean="0"/>
-              <a:t>System.out.println</a:t>
-            </a:r>
-            <a:r>
-              <a:rPr lang="en-US" dirty="0" smtClean="0"/>
-              <a:t>(</a:t>
-            </a:r>
-            <a:r>
-              <a:rPr lang="en-US" dirty="0" err="1" smtClean="0"/>
-              <a:t>myDouble</a:t>
-            </a:r>
-            <a:r>
-              <a:rPr lang="en-US" dirty="0" smtClean="0"/>
-              <a:t>);</a:t>
-            </a:r>
+              <a:rPr lang="en-US" dirty="0" smtClean="0"/>
+              <a:t>Arithmetic operators</a:t>
+            </a:r>
+          </a:p>
+          <a:p>
+            <a:r>
+              <a:rPr lang="en-US" dirty="0" smtClean="0"/>
+              <a:t>Assignment operators</a:t>
+            </a:r>
+          </a:p>
+          <a:p>
+            <a:r>
+              <a:rPr lang="en-US" dirty="0" smtClean="0"/>
+              <a:t>Comparison operators</a:t>
+            </a:r>
+          </a:p>
+          <a:p>
+            <a:r>
+              <a:rPr lang="en-US" dirty="0" smtClean="0"/>
+              <a:t>Logical operators</a:t>
+            </a:r>
+          </a:p>
+          <a:p>
+            <a:r>
+              <a:rPr lang="en-US" dirty="0" smtClean="0"/>
+              <a:t>Bitwise operators</a:t>
+            </a:r>
+          </a:p>
+          <a:p>
             <a:endParaRPr lang="en-US" dirty="0"/>
           </a:p>
         </p:txBody>
@@ -10379,7 +10825,7 @@
           <a:p>
             <a:r>
               <a:rPr lang="en-US" dirty="0" smtClean="0"/>
-              <a:t>Narrow Casting</a:t>
+              <a:t>Arithmetic</a:t>
             </a:r>
             <a:endParaRPr lang="en-US" dirty="0"/>
           </a:p>
@@ -10402,93 +10848,19 @@
           <a:p>
             <a:r>
               <a:rPr lang="en-US" dirty="0" smtClean="0"/>
-              <a:t>double </a:t>
-            </a:r>
-            <a:r>
-              <a:rPr lang="en-US" dirty="0" err="1" smtClean="0"/>
-              <a:t>myDouble</a:t>
-            </a:r>
-            <a:r>
-              <a:rPr lang="en-US" dirty="0" smtClean="0"/>
-              <a:t> = 9.78d; </a:t>
-            </a:r>
-          </a:p>
-          <a:p>
-            <a:r>
-              <a:rPr lang="en-US" dirty="0" err="1" smtClean="0"/>
-              <a:t>int</a:t>
-            </a:r>
-            <a:r>
-              <a:rPr lang="en-US" dirty="0" smtClean="0"/>
-              <a:t> </a:t>
-            </a:r>
-            <a:r>
-              <a:rPr lang="en-US" dirty="0" err="1" smtClean="0"/>
-              <a:t>myInt</a:t>
-            </a:r>
-            <a:r>
-              <a:rPr lang="en-US" dirty="0" smtClean="0"/>
-              <a:t> = (</a:t>
-            </a:r>
-            <a:r>
-              <a:rPr lang="en-US" dirty="0" err="1" smtClean="0"/>
-              <a:t>int</a:t>
-            </a:r>
-            <a:r>
-              <a:rPr lang="en-US" dirty="0" smtClean="0"/>
-              <a:t>) </a:t>
-            </a:r>
-            <a:r>
-              <a:rPr lang="en-US" dirty="0" err="1" smtClean="0"/>
-              <a:t>myDouble</a:t>
-            </a:r>
-            <a:r>
-              <a:rPr lang="en-US" dirty="0" smtClean="0"/>
-              <a:t>; // Manual casting: double to </a:t>
-            </a:r>
-            <a:r>
-              <a:rPr lang="en-US" dirty="0" err="1" smtClean="0"/>
-              <a:t>int</a:t>
-            </a:r>
-            <a:r>
-              <a:rPr lang="en-US" dirty="0" smtClean="0"/>
-              <a:t> </a:t>
-            </a:r>
-          </a:p>
-          <a:p>
-            <a:r>
-              <a:rPr lang="en-US" dirty="0" err="1" smtClean="0"/>
-              <a:t>System.out.println</a:t>
-            </a:r>
-            <a:r>
-              <a:rPr lang="en-US" dirty="0" smtClean="0"/>
-              <a:t>(</a:t>
-            </a:r>
-            <a:r>
-              <a:rPr lang="en-US" dirty="0" err="1" smtClean="0"/>
-              <a:t>myDouble</a:t>
-            </a:r>
-            <a:r>
-              <a:rPr lang="en-US" dirty="0" smtClean="0"/>
-              <a:t>); // Outputs 9.78 </a:t>
-            </a:r>
-          </a:p>
-          <a:p>
-            <a:r>
-              <a:rPr lang="en-US" dirty="0" err="1" smtClean="0"/>
-              <a:t>System.out.println</a:t>
-            </a:r>
-            <a:r>
-              <a:rPr lang="en-US" dirty="0" smtClean="0"/>
-              <a:t>(</a:t>
-            </a:r>
-            <a:r>
-              <a:rPr lang="en-US" dirty="0" err="1" smtClean="0"/>
-              <a:t>myInt</a:t>
-            </a:r>
-            <a:r>
-              <a:rPr lang="en-US" dirty="0" smtClean="0"/>
-              <a:t>);</a:t>
+              <a:t>% Modulus</a:t>
+            </a:r>
+          </a:p>
+          <a:p>
+            <a:r>
+              <a:rPr lang="en-US" dirty="0" smtClean="0"/>
+              <a:t>++Increment</a:t>
+            </a:r>
+          </a:p>
+          <a:p>
+            <a:r>
+              <a:rPr lang="en-US" dirty="0" smtClean="0"/>
+              <a:t>--Decrement</a:t>
             </a:r>
             <a:endParaRPr lang="en-US" dirty="0"/>
           </a:p>
@@ -10534,7 +10906,11 @@
           <a:bodyPr/>
           <a:lstStyle/>
           <a:p>
-            <a:endParaRPr lang="en-US"/>
+            <a:r>
+              <a:rPr lang="en-US" dirty="0" smtClean="0"/>
+              <a:t>Type Casting</a:t>
+            </a:r>
+            <a:endParaRPr lang="en-US" dirty="0"/>
           </a:p>
         </p:txBody>
       </p:sp>
@@ -10550,36 +10926,84 @@
         </p:nvSpPr>
         <p:spPr/>
         <p:txBody>
-          <a:bodyPr/>
-          <a:lstStyle/>
-          <a:p>
-            <a:r>
-              <a:rPr lang="en-US" dirty="0" smtClean="0"/>
-              <a:t>Arithmetic operators(+,-,/,%,++,--)</a:t>
-            </a:r>
-          </a:p>
-          <a:p>
-            <a:r>
-              <a:rPr lang="en-US" dirty="0" smtClean="0"/>
-              <a:t>Assignment operators (=)</a:t>
-            </a:r>
-          </a:p>
-          <a:p>
-            <a:r>
-              <a:rPr lang="en-US" dirty="0" smtClean="0"/>
-              <a:t>Comparison operators(&lt;,&gt;)</a:t>
-            </a:r>
-          </a:p>
-          <a:p>
-            <a:r>
-              <a:rPr lang="en-US" dirty="0" smtClean="0"/>
-              <a:t>Logical operators(!,&amp;&amp;,||)</a:t>
-            </a:r>
-          </a:p>
-          <a:p>
-            <a:r>
-              <a:rPr lang="en-US" dirty="0" smtClean="0"/>
-              <a:t>Bitwise operators</a:t>
+          <a:bodyPr>
+            <a:normAutofit fontScale="85000" lnSpcReduction="10000"/>
+          </a:bodyPr>
+          <a:lstStyle/>
+          <a:p>
+            <a:r>
+              <a:rPr lang="en-US" dirty="0" smtClean="0"/>
+              <a:t>Type casting is when you assign a value of one primitive data type to another type</a:t>
+            </a:r>
+          </a:p>
+          <a:p>
+            <a:endParaRPr lang="en-US" dirty="0" smtClean="0"/>
+          </a:p>
+          <a:p>
+            <a:pPr>
+              <a:buNone/>
+            </a:pPr>
+            <a:r>
+              <a:rPr lang="en-US" b="1" dirty="0" smtClean="0"/>
+              <a:t>Widening Casting</a:t>
+            </a:r>
+            <a:r>
+              <a:rPr lang="en-US" dirty="0" smtClean="0"/>
+              <a:t> (automatically) - converting a smaller type to a larger type size</a:t>
+            </a:r>
+            <a:br>
+              <a:rPr lang="en-US" dirty="0" smtClean="0"/>
+            </a:br>
+            <a:r>
+              <a:rPr lang="en-US" dirty="0" smtClean="0"/>
+              <a:t> byte -&gt; short -&gt; char -&gt; </a:t>
+            </a:r>
+            <a:r>
+              <a:rPr lang="en-US" dirty="0" err="1" smtClean="0"/>
+              <a:t>int</a:t>
+            </a:r>
+            <a:r>
+              <a:rPr lang="en-US" dirty="0" smtClean="0"/>
+              <a:t> -&gt; long -&gt; float -&gt; double </a:t>
+            </a:r>
+            <a:br>
+              <a:rPr lang="en-US" dirty="0" smtClean="0"/>
+            </a:br>
+            <a:r>
+              <a:rPr lang="en-US" dirty="0" smtClean="0"/>
+              <a:t/>
+            </a:r>
+            <a:br>
+              <a:rPr lang="en-US" dirty="0" smtClean="0"/>
+            </a:br>
+            <a:endParaRPr lang="en-US" dirty="0" smtClean="0"/>
+          </a:p>
+          <a:p>
+            <a:pPr>
+              <a:buNone/>
+            </a:pPr>
+            <a:r>
+              <a:rPr lang="en-US" b="1" dirty="0" smtClean="0"/>
+              <a:t>Narrowing Casting</a:t>
+            </a:r>
+            <a:r>
+              <a:rPr lang="en-US" dirty="0" smtClean="0"/>
+              <a:t> (manually) - converting a larger type to a smaller size type</a:t>
+            </a:r>
+            <a:br>
+              <a:rPr lang="en-US" dirty="0" smtClean="0"/>
+            </a:br>
+            <a:r>
+              <a:rPr lang="en-US" dirty="0" smtClean="0"/>
+              <a:t> double -&gt; float -&gt; long -&gt; </a:t>
+            </a:r>
+            <a:r>
+              <a:rPr lang="en-US" dirty="0" err="1" smtClean="0"/>
+              <a:t>int</a:t>
+            </a:r>
+            <a:r>
+              <a:rPr lang="en-US" dirty="0" smtClean="0"/>
+              <a:t> -&gt; char -&gt; short -&gt; byte</a:t>
             </a:r>
           </a:p>
           <a:p>
@@ -10845,7 +11269,11 @@
           <a:bodyPr/>
           <a:lstStyle/>
           <a:p>
-            <a:endParaRPr lang="en-US"/>
+            <a:r>
+              <a:rPr lang="en-US" dirty="0" smtClean="0"/>
+              <a:t>Wide Casting</a:t>
+            </a:r>
+            <a:endParaRPr lang="en-US" dirty="0"/>
           </a:p>
         </p:txBody>
       </p:sp>
@@ -10863,12 +11291,6 @@
         <p:txBody>
           <a:bodyPr/>
           <a:lstStyle/>
-          <a:p>
-            <a:r>
-              <a:rPr lang="en-US" b="1" dirty="0" smtClean="0"/>
-              <a:t>addition assignment</a:t>
-            </a:r>
-          </a:p>
           <a:p>
             <a:r>
               <a:rPr lang="en-US" dirty="0" err="1" smtClean="0"/>
@@ -10876,33 +11298,67 @@
             </a:r>
             <a:r>
               <a:rPr lang="en-US" dirty="0" smtClean="0"/>
-              <a:t> x = 10;</a:t>
-            </a:r>
-          </a:p>
-          <a:p>
-            <a:pPr>
-              <a:buNone/>
-            </a:pPr>
-            <a:r>
-              <a:rPr lang="en-US" dirty="0" smtClean="0"/>
-              <a:t>    x += 5;</a:t>
-            </a:r>
-          </a:p>
-          <a:p>
-            <a:pPr>
-              <a:buNone/>
-            </a:pPr>
-            <a:r>
-              <a:rPr lang="en-US" dirty="0" smtClean="0"/>
-              <a:t>   </a:t>
-            </a:r>
+              <a:t> </a:t>
+            </a:r>
+            <a:r>
+              <a:rPr lang="en-US" dirty="0" err="1" smtClean="0"/>
+              <a:t>myInt</a:t>
+            </a:r>
+            <a:r>
+              <a:rPr lang="en-US" dirty="0" smtClean="0"/>
+              <a:t> = 10; </a:t>
+            </a:r>
+          </a:p>
+          <a:p>
+            <a:r>
+              <a:rPr lang="en-US" dirty="0" smtClean="0"/>
+              <a:t>double </a:t>
+            </a:r>
+            <a:r>
+              <a:rPr lang="en-US" dirty="0" smtClean="0"/>
+              <a:t>x1= </a:t>
+            </a:r>
+            <a:r>
+              <a:rPr lang="en-US" dirty="0" err="1" smtClean="0"/>
+              <a:t>myInt</a:t>
+            </a:r>
+            <a:r>
+              <a:rPr lang="en-US" dirty="0" smtClean="0"/>
+              <a:t>; // Automatic casting: </a:t>
+            </a:r>
+          </a:p>
+          <a:p>
             <a:r>
               <a:rPr lang="en-US" dirty="0" err="1" smtClean="0"/>
               <a:t>System.out.println</a:t>
             </a:r>
             <a:r>
               <a:rPr lang="en-US" dirty="0" smtClean="0"/>
-              <a:t>(x);</a:t>
+              <a:t>(</a:t>
+            </a:r>
+            <a:r>
+              <a:rPr lang="en-US" dirty="0" err="1" smtClean="0"/>
+              <a:t>myInt</a:t>
+            </a:r>
+            <a:r>
+              <a:rPr lang="en-US" dirty="0" smtClean="0"/>
+              <a:t>); </a:t>
+            </a:r>
+            <a:r>
+              <a:rPr lang="en-US" dirty="0" err="1" smtClean="0"/>
+              <a:t>System.out.println</a:t>
+            </a:r>
+            <a:r>
+              <a:rPr lang="en-US" dirty="0" smtClean="0"/>
+              <a:t>(</a:t>
+            </a:r>
+            <a:r>
+              <a:rPr lang="en-US" dirty="0" err="1" smtClean="0"/>
+              <a:t>myDouble</a:t>
+            </a:r>
+            <a:r>
+              <a:rPr lang="en-US" dirty="0" smtClean="0"/>
+              <a:t>);</a:t>
             </a:r>
             <a:endParaRPr lang="en-US" dirty="0"/>
           </a:p>
@@ -10949,105 +11405,127 @@
           <a:lstStyle/>
           <a:p>
             <a:r>
+              <a:rPr lang="en-US" dirty="0" smtClean="0"/>
+              <a:t>Narrow Casting</a:t>
+            </a:r>
+            <a:endParaRPr lang="en-US" dirty="0"/>
+          </a:p>
+        </p:txBody>
+      </p:sp>
+      <p:sp>
+        <p:nvSpPr>
+          <p:cNvPr id="3" name="Content Placeholder 2"/>
+          <p:cNvSpPr>
+            <a:spLocks noGrp="1"/>
+          </p:cNvSpPr>
+          <p:nvPr>
+            <p:ph idx="1"/>
+          </p:nvPr>
+        </p:nvSpPr>
+        <p:spPr/>
+        <p:txBody>
+          <a:bodyPr/>
+          <a:lstStyle/>
+          <a:p>
+            <a:r>
+              <a:rPr lang="en-US" dirty="0" smtClean="0"/>
+              <a:t>double </a:t>
+            </a:r>
+            <a:r>
               <a:rPr lang="en-US" dirty="0" err="1" smtClean="0"/>
-              <a:t>Asighnment</a:t>
-            </a:r>
-            <a:r>
-              <a:rPr lang="en-US" dirty="0" smtClean="0"/>
-              <a:t> Operator</a:t>
+              <a:t>myDouble</a:t>
+            </a:r>
+            <a:r>
+              <a:rPr lang="en-US" dirty="0" smtClean="0"/>
+              <a:t> </a:t>
+            </a:r>
+            <a:r>
+              <a:rPr lang="en-US" dirty="0" smtClean="0"/>
+              <a:t>= 9.78d; </a:t>
+            </a:r>
+          </a:p>
+          <a:p>
+            <a:r>
+              <a:rPr lang="en-US" dirty="0" err="1" smtClean="0"/>
+              <a:t>int</a:t>
+            </a:r>
+            <a:r>
+              <a:rPr lang="en-US" dirty="0" smtClean="0"/>
+              <a:t> </a:t>
+            </a:r>
+            <a:r>
+              <a:rPr lang="en-US" dirty="0" err="1" smtClean="0"/>
+              <a:t>myInt</a:t>
+            </a:r>
+            <a:r>
+              <a:rPr lang="en-US" dirty="0" smtClean="0"/>
+              <a:t> = </a:t>
+            </a:r>
+            <a:r>
+              <a:rPr lang="en-US" dirty="0" smtClean="0"/>
+              <a:t>(</a:t>
+            </a:r>
+            <a:r>
+              <a:rPr lang="en-US" dirty="0" err="1" smtClean="0"/>
+              <a:t>int</a:t>
+            </a:r>
+            <a:r>
+              <a:rPr lang="en-US" dirty="0" smtClean="0"/>
+              <a:t>) </a:t>
+            </a:r>
+            <a:r>
+              <a:rPr lang="en-US" dirty="0" err="1" smtClean="0"/>
+              <a:t>myDouble</a:t>
+            </a:r>
+            <a:r>
+              <a:rPr lang="en-US" dirty="0" smtClean="0"/>
+              <a:t>; // Manual casting: double to </a:t>
+            </a:r>
+            <a:r>
+              <a:rPr lang="en-US" dirty="0" err="1" smtClean="0"/>
+              <a:t>int</a:t>
+            </a:r>
+            <a:r>
+              <a:rPr lang="en-US" dirty="0" smtClean="0"/>
+              <a:t> </a:t>
+            </a:r>
+          </a:p>
+          <a:p>
+            <a:r>
+              <a:rPr lang="en-US" dirty="0" err="1" smtClean="0"/>
+              <a:t>System.out.println</a:t>
+            </a:r>
+            <a:r>
+              <a:rPr lang="en-US" dirty="0" smtClean="0"/>
+              <a:t>(</a:t>
+            </a:r>
+            <a:r>
+              <a:rPr lang="en-US" dirty="0" err="1" smtClean="0"/>
+              <a:t>myDouble</a:t>
+            </a:r>
+            <a:r>
+              <a:rPr lang="en-US" dirty="0" smtClean="0"/>
+              <a:t>); // Outputs 9.78 </a:t>
+            </a:r>
+          </a:p>
+          <a:p>
+            <a:r>
+              <a:rPr lang="en-US" dirty="0" err="1" smtClean="0"/>
+              <a:t>System.out.println</a:t>
+            </a:r>
+            <a:r>
+              <a:rPr lang="en-US" dirty="0" smtClean="0"/>
+              <a:t>(</a:t>
+            </a:r>
+            <a:r>
+              <a:rPr lang="en-US" dirty="0" err="1" smtClean="0"/>
+              <a:t>myInt</a:t>
+            </a:r>
+            <a:r>
+              <a:rPr lang="en-US" dirty="0" smtClean="0"/>
+              <a:t>);</a:t>
             </a:r>
             <a:endParaRPr lang="en-US" dirty="0"/>
-          </a:p>
-        </p:txBody>
-      </p:sp>
-      <p:sp>
-        <p:nvSpPr>
-          <p:cNvPr id="3" name="Content Placeholder 2"/>
-          <p:cNvSpPr>
-            <a:spLocks noGrp="1"/>
-          </p:cNvSpPr>
-          <p:nvPr>
-            <p:ph idx="1"/>
-          </p:nvPr>
-        </p:nvSpPr>
-        <p:spPr/>
-        <p:txBody>
-          <a:bodyPr>
-            <a:normAutofit fontScale="70000" lnSpcReduction="20000"/>
-          </a:bodyPr>
-          <a:lstStyle/>
-          <a:p>
-            <a:r>
-              <a:rPr lang="en-US" dirty="0" smtClean="0"/>
-              <a:t>Operator       Example                         Inference</a:t>
-            </a:r>
-          </a:p>
-          <a:p>
-            <a:r>
-              <a:rPr lang="en-US" dirty="0" smtClean="0"/>
-              <a:t>=                     x = 5                                  x = 5</a:t>
-            </a:r>
-          </a:p>
-          <a:p>
-            <a:r>
-              <a:rPr lang="en-US" dirty="0" smtClean="0"/>
-              <a:t>+=                    x += 3                             x = x + 3</a:t>
-            </a:r>
-          </a:p>
-          <a:p>
-            <a:r>
-              <a:rPr lang="en-US" dirty="0" smtClean="0"/>
-              <a:t>-=                    x -= 3                               x = x - 3</a:t>
-            </a:r>
-          </a:p>
-          <a:p>
-            <a:r>
-              <a:rPr lang="en-US" dirty="0" smtClean="0"/>
-              <a:t>*=                   x *= 3                              x = x * 3</a:t>
-            </a:r>
-          </a:p>
-          <a:p>
-            <a:r>
-              <a:rPr lang="en-US" dirty="0" smtClean="0"/>
-              <a:t>/=                    x /= 3                              x = x / 3</a:t>
-            </a:r>
-          </a:p>
-          <a:p>
-            <a:r>
-              <a:rPr lang="en-US" dirty="0" smtClean="0"/>
-              <a:t>&amp;                    x &amp;= 3                              x = x &amp; 3</a:t>
-            </a:r>
-          </a:p>
-          <a:p>
-            <a:r>
-              <a:rPr lang="en-US" dirty="0" smtClean="0"/>
-              <a:t>%=                  x %= 3                             x = x % 3</a:t>
-            </a:r>
-          </a:p>
-          <a:p>
-            <a:r>
-              <a:rPr lang="en-US" dirty="0" smtClean="0"/>
-              <a:t>|=                   x |= 3                               x = x | 3</a:t>
-            </a:r>
-          </a:p>
-          <a:p>
-            <a:r>
-              <a:rPr lang="en-US" dirty="0" smtClean="0"/>
-              <a:t>^=                    x ^= 3                             x = x ^ 3</a:t>
-            </a:r>
-          </a:p>
-          <a:p>
-            <a:r>
-              <a:rPr lang="en-US" b="1" dirty="0" smtClean="0"/>
-              <a:t>&gt;&gt;=                 x &gt;&gt;= 3                           x = x &gt;&gt; 3</a:t>
-            </a:r>
-          </a:p>
-          <a:p>
-            <a:r>
-              <a:rPr lang="en-US" b="1" dirty="0" smtClean="0"/>
-              <a:t>&lt;&lt;=                x &lt;&lt;= 3                            x = x &lt;&lt; 3</a:t>
-            </a:r>
-            <a:endParaRPr lang="en-US" b="1" dirty="0"/>
           </a:p>
         </p:txBody>
       </p:sp>
@@ -11088,19 +11566,10 @@
         </p:nvSpPr>
         <p:spPr/>
         <p:txBody>
-          <a:bodyPr>
-            <a:normAutofit fontScale="90000"/>
-          </a:bodyPr>
-          <a:lstStyle/>
-          <a:p>
-            <a:r>
-              <a:rPr lang="en-US" dirty="0" smtClean="0"/>
-              <a:t>Comparison Operators</a:t>
-            </a:r>
-            <a:br>
-              <a:rPr lang="en-US" dirty="0" smtClean="0"/>
-            </a:br>
-            <a:endParaRPr lang="en-US" dirty="0"/>
+          <a:bodyPr/>
+          <a:lstStyle/>
+          <a:p>
+            <a:endParaRPr lang="en-US"/>
           </a:p>
         </p:txBody>
       </p:sp>
@@ -11121,38 +11590,39 @@
           <a:p>
             <a:r>
               <a:rPr lang="en-US" dirty="0" smtClean="0"/>
-              <a:t>&gt;</a:t>
-            </a:r>
-          </a:p>
-          <a:p>
-            <a:r>
-              <a:rPr lang="en-US" dirty="0" smtClean="0"/>
-              <a:t>&lt;</a:t>
-            </a:r>
-          </a:p>
-          <a:p>
-            <a:r>
-              <a:rPr lang="en-US" dirty="0" smtClean="0"/>
-              <a:t>==</a:t>
-            </a:r>
-          </a:p>
-          <a:p>
-            <a:r>
-              <a:rPr lang="en-US" dirty="0" smtClean="0"/>
-              <a:t>!=</a:t>
-            </a:r>
-          </a:p>
-          <a:p>
-            <a:r>
-              <a:rPr lang="en-US" dirty="0" smtClean="0"/>
-              <a:t>&gt;=</a:t>
-            </a:r>
-          </a:p>
-          <a:p>
-            <a:r>
-              <a:rPr lang="en-US" dirty="0" smtClean="0"/>
-              <a:t>&lt;=</a:t>
-            </a:r>
+              <a:t>(+</a:t>
+            </a:r>
+            <a:r>
+              <a:rPr lang="en-US" dirty="0" smtClean="0"/>
+              <a:t>Arithmetic operators,-,/,%,++,--)</a:t>
+            </a:r>
+            <a:endParaRPr lang="en-US" dirty="0" smtClean="0"/>
+          </a:p>
+          <a:p>
+            <a:r>
+              <a:rPr lang="en-US" dirty="0" smtClean="0"/>
+              <a:t>Assignment operators (=)</a:t>
+            </a:r>
+          </a:p>
+          <a:p>
+            <a:r>
+              <a:rPr lang="en-US" dirty="0" smtClean="0"/>
+              <a:t>Comparison operators(&lt;,&gt;)</a:t>
+            </a:r>
+          </a:p>
+          <a:p>
+            <a:r>
+              <a:rPr lang="en-US" dirty="0" smtClean="0"/>
+              <a:t>Logical operators(!,&amp;&amp;,||)</a:t>
+            </a:r>
+          </a:p>
+          <a:p>
+            <a:r>
+              <a:rPr lang="en-US" dirty="0" smtClean="0"/>
+              <a:t>Bitwise operators</a:t>
+            </a:r>
+          </a:p>
+          <a:p>
             <a:endParaRPr lang="en-US" dirty="0"/>
           </a:p>
         </p:txBody>
@@ -11194,54 +11664,69 @@
         </p:nvSpPr>
         <p:spPr/>
         <p:txBody>
-          <a:bodyPr>
-            <a:normAutofit fontScale="90000"/>
-          </a:bodyPr>
-          <a:lstStyle/>
-          <a:p>
-            <a:r>
-              <a:rPr lang="en-US" dirty="0" smtClean="0"/>
-              <a:t>Logical Operators</a:t>
-            </a:r>
-            <a:br>
-              <a:rPr lang="en-US" dirty="0" smtClean="0"/>
-            </a:br>
+          <a:bodyPr/>
+          <a:lstStyle/>
+          <a:p>
+            <a:endParaRPr lang="en-US"/>
+          </a:p>
+        </p:txBody>
+      </p:sp>
+      <p:sp>
+        <p:nvSpPr>
+          <p:cNvPr id="3" name="Content Placeholder 2"/>
+          <p:cNvSpPr>
+            <a:spLocks noGrp="1"/>
+          </p:cNvSpPr>
+          <p:nvPr>
+            <p:ph idx="1"/>
+          </p:nvPr>
+        </p:nvSpPr>
+        <p:spPr/>
+        <p:txBody>
+          <a:bodyPr/>
+          <a:lstStyle/>
+          <a:p>
+            <a:r>
+              <a:rPr lang="en-US" b="1" dirty="0" smtClean="0"/>
+              <a:t>addition assignment</a:t>
+            </a:r>
+          </a:p>
+          <a:p>
+            <a:r>
+              <a:rPr lang="en-US" dirty="0" err="1" smtClean="0"/>
+              <a:t>int</a:t>
+            </a:r>
+            <a:r>
+              <a:rPr lang="en-US" dirty="0" smtClean="0"/>
+              <a:t> x = 10;</a:t>
+            </a:r>
+          </a:p>
+          <a:p>
+            <a:pPr>
+              <a:buNone/>
+            </a:pPr>
+            <a:r>
+              <a:rPr lang="en-US" dirty="0" smtClean="0"/>
+              <a:t>    x += 5;</a:t>
+            </a:r>
+          </a:p>
+          <a:p>
+            <a:pPr>
+              <a:buNone/>
+            </a:pPr>
+            <a:r>
+              <a:rPr lang="en-US" dirty="0" smtClean="0"/>
+              <a:t>   </a:t>
+            </a:r>
+            <a:r>
+              <a:rPr lang="en-US" dirty="0" err="1" smtClean="0"/>
+              <a:t>System.out.println</a:t>
+            </a:r>
+            <a:r>
+              <a:rPr lang="en-US" dirty="0" smtClean="0"/>
+              <a:t>(x);</a:t>
+            </a:r>
             <a:endParaRPr lang="en-US" dirty="0"/>
-          </a:p>
-        </p:txBody>
-      </p:sp>
-      <p:sp>
-        <p:nvSpPr>
-          <p:cNvPr id="3" name="Content Placeholder 2"/>
-          <p:cNvSpPr>
-            <a:spLocks noGrp="1"/>
-          </p:cNvSpPr>
-          <p:nvPr>
-            <p:ph idx="1"/>
-          </p:nvPr>
-        </p:nvSpPr>
-        <p:spPr/>
-        <p:txBody>
-          <a:bodyPr/>
-          <a:lstStyle/>
-          <a:p>
-            <a:r>
-              <a:rPr lang="en-US" dirty="0" smtClean="0"/>
-              <a:t>&amp;&amp; </a:t>
-            </a:r>
-          </a:p>
-          <a:p>
-            <a:r>
-              <a:rPr lang="en-US" dirty="0" smtClean="0"/>
-              <a:t>|| </a:t>
-            </a:r>
-          </a:p>
-          <a:p>
-            <a:r>
-              <a:rPr lang="en-US" smtClean="0"/>
-              <a:t>!</a:t>
-            </a:r>
-            <a:endParaRPr lang="en-US"/>
           </a:p>
         </p:txBody>
       </p:sp>
@@ -11286,8 +11771,12 @@
           <a:lstStyle/>
           <a:p>
             <a:r>
-              <a:rPr lang="en-US" dirty="0" smtClean="0"/>
-              <a:t>Pre and Post Increment/Decrement</a:t>
+              <a:rPr lang="en-US" dirty="0" err="1" smtClean="0"/>
+              <a:t>Asighnment</a:t>
+            </a:r>
+            <a:r>
+              <a:rPr lang="en-US" dirty="0" smtClean="0"/>
+              <a:t> Operator</a:t>
             </a:r>
             <a:endParaRPr lang="en-US" dirty="0"/>
           </a:p>
@@ -11306,95 +11795,81 @@
         <p:spPr/>
         <p:txBody>
           <a:bodyPr>
-            <a:normAutofit fontScale="92500" lnSpcReduction="10000"/>
+            <a:normAutofit fontScale="70000" lnSpcReduction="20000"/>
           </a:bodyPr>
           <a:lstStyle/>
           <a:p>
-            <a:endParaRPr lang="en-US" dirty="0" smtClean="0"/>
-          </a:p>
-          <a:p>
-            <a:r>
-              <a:rPr lang="en-US" dirty="0" smtClean="0"/>
-              <a:t>If </a:t>
-            </a:r>
+            <a:r>
+              <a:rPr lang="en-US" dirty="0" smtClean="0"/>
+              <a:t>Operator       Example                         Inference</a:t>
+            </a:r>
+          </a:p>
+          <a:p>
+            <a:r>
+              <a:rPr lang="en-US" dirty="0" smtClean="0"/>
+              <a:t>=                     x = 5                                  x = 5</a:t>
+            </a:r>
+          </a:p>
+          <a:p>
+            <a:r>
+              <a:rPr lang="en-US" dirty="0" smtClean="0"/>
+              <a:t>+=                    x += 3                             x = x + 3</a:t>
+            </a:r>
+          </a:p>
+          <a:p>
+            <a:r>
+              <a:rPr lang="en-US" dirty="0" smtClean="0"/>
+              <a:t>-=                    x -= 3                               x = x - 3</a:t>
+            </a:r>
+          </a:p>
+          <a:p>
+            <a:r>
+              <a:rPr lang="en-US" dirty="0" smtClean="0"/>
+              <a:t>*=                   x *= 3                              x = x * 3</a:t>
+            </a:r>
+          </a:p>
+          <a:p>
+            <a:r>
+              <a:rPr lang="en-US" dirty="0" smtClean="0"/>
+              <a:t>/=                    x /= 3                              x = x / 3</a:t>
+            </a:r>
+          </a:p>
+          <a:p>
+            <a:r>
+              <a:rPr lang="en-US" dirty="0" smtClean="0"/>
+              <a:t>&amp;                    x &amp;= 3                              x = x &amp; 3</a:t>
+            </a:r>
+          </a:p>
+          <a:p>
+            <a:r>
+              <a:rPr lang="en-US" dirty="0" smtClean="0"/>
+              <a:t>%=                  x %= 3                             x = x % 3</a:t>
+            </a:r>
+          </a:p>
+          <a:p>
+            <a:r>
+              <a:rPr lang="en-US" dirty="0" smtClean="0"/>
+              <a:t>|=                   x |= 3                               x = x | 3</a:t>
+            </a:r>
+          </a:p>
+          <a:p>
+            <a:r>
+              <a:rPr lang="en-US" dirty="0" smtClean="0"/>
+              <a:t>^=                    x ^= 3                             x = x ^ 3</a:t>
+            </a:r>
+          </a:p>
+          <a:p>
             <a:r>
               <a:rPr lang="en-US" b="1" dirty="0" smtClean="0"/>
-              <a:t>++ </a:t>
-            </a:r>
-            <a:r>
-              <a:rPr lang="en-US" dirty="0" smtClean="0"/>
-              <a:t>precedes the variable, it is called pre-increment operator and it comes after a variable, it is called post-increment operator.</a:t>
+              <a:t>&gt;&gt;=                 x &gt;&gt;= 3                           x = x &gt;&gt; 3</a:t>
             </a:r>
           </a:p>
           <a:p>
             <a:r>
               <a:rPr lang="en-US" b="1" dirty="0" smtClean="0"/>
-              <a:t>Post-Increment (</a:t>
-            </a:r>
-            <a:r>
-              <a:rPr lang="en-US" b="1" dirty="0" err="1" smtClean="0"/>
-              <a:t>i</a:t>
-            </a:r>
-            <a:r>
-              <a:rPr lang="en-US" b="1" dirty="0" smtClean="0"/>
-              <a:t>++) _&gt;</a:t>
-            </a:r>
-            <a:r>
-              <a:rPr lang="en-US" dirty="0" smtClean="0"/>
-              <a:t>we use </a:t>
-            </a:r>
-            <a:r>
-              <a:rPr lang="en-US" dirty="0" err="1" smtClean="0"/>
-              <a:t>i</a:t>
-            </a:r>
-            <a:r>
-              <a:rPr lang="en-US" dirty="0" smtClean="0"/>
-              <a:t>++ in our statement if we want to use the current value, and then we want to increment the value of </a:t>
-            </a:r>
-            <a:r>
-              <a:rPr lang="en-US" b="1" dirty="0" err="1" smtClean="0"/>
-              <a:t>i</a:t>
-            </a:r>
-            <a:r>
-              <a:rPr lang="en-US" dirty="0" smtClean="0"/>
-              <a:t> by 1</a:t>
-            </a:r>
-            <a:endParaRPr lang="en-US" b="1" dirty="0" smtClean="0"/>
-          </a:p>
-          <a:p>
-            <a:r>
-              <a:rPr lang="en-US" b="1" dirty="0" smtClean="0"/>
-              <a:t>Pre-Increment(++</a:t>
-            </a:r>
-            <a:r>
-              <a:rPr lang="en-US" b="1" dirty="0" err="1" smtClean="0"/>
-              <a:t>i</a:t>
-            </a:r>
-            <a:r>
-              <a:rPr lang="en-US" b="1" dirty="0" smtClean="0"/>
-              <a:t>)-&gt;</a:t>
-            </a:r>
-            <a:r>
-              <a:rPr lang="en-US" dirty="0" smtClean="0"/>
-              <a:t>We use ++</a:t>
-            </a:r>
-            <a:r>
-              <a:rPr lang="en-US" dirty="0" err="1" smtClean="0"/>
-              <a:t>i</a:t>
-            </a:r>
-            <a:r>
-              <a:rPr lang="en-US" dirty="0" smtClean="0"/>
-              <a:t> in our statement if we want to increment the value of </a:t>
-            </a:r>
-            <a:r>
-              <a:rPr lang="en-US" b="1" dirty="0" err="1" smtClean="0"/>
-              <a:t>i</a:t>
-            </a:r>
-            <a:r>
-              <a:rPr lang="en-US" dirty="0" smtClean="0"/>
-              <a:t> by 1 and then use it in our statement</a:t>
-            </a:r>
-            <a:endParaRPr lang="en-US" dirty="0"/>
+              <a:t>&lt;&lt;=                x &lt;&lt;= 3                            x = x &lt;&lt; 3</a:t>
+            </a:r>
+            <a:endParaRPr lang="en-US" b="1" dirty="0"/>
           </a:p>
         </p:txBody>
       </p:sp>
@@ -11435,72 +11910,72 @@
         </p:nvSpPr>
         <p:spPr/>
         <p:txBody>
+          <a:bodyPr>
+            <a:normAutofit fontScale="90000"/>
+          </a:bodyPr>
+          <a:lstStyle/>
+          <a:p>
+            <a:r>
+              <a:rPr lang="en-US" dirty="0" smtClean="0"/>
+              <a:t>Comparison Operators</a:t>
+            </a:r>
+            <a:br>
+              <a:rPr lang="en-US" dirty="0" smtClean="0"/>
+            </a:br>
+            <a:endParaRPr lang="en-US" dirty="0"/>
+          </a:p>
+        </p:txBody>
+      </p:sp>
+      <p:sp>
+        <p:nvSpPr>
+          <p:cNvPr id="3" name="Content Placeholder 2"/>
+          <p:cNvSpPr>
+            <a:spLocks noGrp="1"/>
+          </p:cNvSpPr>
+          <p:nvPr>
+            <p:ph idx="1"/>
+          </p:nvPr>
+        </p:nvSpPr>
+        <p:spPr/>
+        <p:txBody>
           <a:bodyPr/>
           <a:lstStyle/>
           <a:p>
             <a:r>
               <a:rPr lang="en-US" dirty="0" smtClean="0"/>
-              <a:t>Control structures</a:t>
+              <a:t>&gt;</a:t>
+            </a:r>
+          </a:p>
+          <a:p>
+            <a:r>
+              <a:rPr lang="en-US" dirty="0" smtClean="0"/>
+              <a:t>&lt;</a:t>
+            </a:r>
+          </a:p>
+          <a:p>
+            <a:r>
+              <a:rPr lang="en-US" dirty="0" smtClean="0"/>
+              <a:t>==</a:t>
+            </a:r>
+          </a:p>
+          <a:p>
+            <a:r>
+              <a:rPr lang="en-US" dirty="0" smtClean="0"/>
+              <a:t>!=</a:t>
+            </a:r>
+          </a:p>
+          <a:p>
+            <a:r>
+              <a:rPr lang="en-US" dirty="0" smtClean="0"/>
+              <a:t>&gt;=</a:t>
+            </a:r>
+          </a:p>
+          <a:p>
+            <a:r>
+              <a:rPr lang="en-US" dirty="0" smtClean="0"/>
+              <a:t>&lt;=</a:t>
             </a:r>
             <a:endParaRPr lang="en-US" dirty="0"/>
-          </a:p>
-        </p:txBody>
-      </p:sp>
-      <p:sp>
-        <p:nvSpPr>
-          <p:cNvPr id="3" name="Content Placeholder 2"/>
-          <p:cNvSpPr>
-            <a:spLocks noGrp="1"/>
-          </p:cNvSpPr>
-          <p:nvPr>
-            <p:ph idx="1"/>
-          </p:nvPr>
-        </p:nvSpPr>
-        <p:spPr/>
-        <p:txBody>
-          <a:bodyPr>
-            <a:normAutofit lnSpcReduction="10000"/>
-          </a:bodyPr>
-          <a:lstStyle/>
-          <a:p>
-            <a:r>
-              <a:rPr lang="en-US" dirty="0" smtClean="0"/>
-              <a:t>The </a:t>
-            </a:r>
-            <a:r>
-              <a:rPr lang="en-US" i="1" dirty="0" smtClean="0"/>
-              <a:t>while loop</a:t>
-            </a:r>
-            <a:r>
-              <a:rPr lang="en-US" dirty="0" smtClean="0"/>
-              <a:t> is used to iterate a part of the </a:t>
-            </a:r>
-            <a:r>
-              <a:rPr lang="en-US" dirty="0" err="1" smtClean="0"/>
-              <a:t>programe</a:t>
-            </a:r>
-            <a:r>
-              <a:rPr lang="en-US" dirty="0" smtClean="0"/>
-              <a:t> repeatedly until the specified Boolean condition is true. </a:t>
-            </a:r>
-          </a:p>
-          <a:p>
-            <a:r>
-              <a:rPr lang="en-US" dirty="0" smtClean="0"/>
-              <a:t>When the Boolean condition becomes false, the loop automatically stops.</a:t>
-            </a:r>
-          </a:p>
-          <a:p>
-            <a:r>
-              <a:rPr lang="en-US" dirty="0" smtClean="0"/>
-              <a:t>The while loop is considered as a repeating if statement. </a:t>
-            </a:r>
-          </a:p>
-          <a:p>
-            <a:r>
-              <a:rPr lang="en-US" dirty="0" smtClean="0"/>
-              <a:t>If the number of iteration is not fixed, it is recommended to use the while loop</a:t>
-            </a:r>
           </a:p>
         </p:txBody>
       </p:sp>
@@ -11541,43 +12016,52 @@
         </p:nvSpPr>
         <p:spPr/>
         <p:txBody>
+          <a:bodyPr>
+            <a:normAutofit fontScale="90000"/>
+          </a:bodyPr>
+          <a:lstStyle/>
+          <a:p>
+            <a:r>
+              <a:rPr lang="en-US" dirty="0" smtClean="0"/>
+              <a:t>Logical Operators</a:t>
+            </a:r>
+            <a:br>
+              <a:rPr lang="en-US" dirty="0" smtClean="0"/>
+            </a:br>
+            <a:endParaRPr lang="en-US" dirty="0"/>
+          </a:p>
+        </p:txBody>
+      </p:sp>
+      <p:sp>
+        <p:nvSpPr>
+          <p:cNvPr id="3" name="Content Placeholder 2"/>
+          <p:cNvSpPr>
+            <a:spLocks noGrp="1"/>
+          </p:cNvSpPr>
+          <p:nvPr>
+            <p:ph idx="1"/>
+          </p:nvPr>
+        </p:nvSpPr>
+        <p:spPr/>
+        <p:txBody>
           <a:bodyPr/>
           <a:lstStyle/>
           <a:p>
             <a:r>
               <a:rPr lang="en-US" dirty="0" smtClean="0"/>
-              <a:t>Do -while</a:t>
-            </a:r>
-            <a:endParaRPr lang="en-US" dirty="0"/>
-          </a:p>
-        </p:txBody>
-      </p:sp>
-      <p:sp>
-        <p:nvSpPr>
-          <p:cNvPr id="3" name="Content Placeholder 2"/>
-          <p:cNvSpPr>
-            <a:spLocks noGrp="1"/>
-          </p:cNvSpPr>
-          <p:nvPr>
-            <p:ph idx="1"/>
-          </p:nvPr>
-        </p:nvSpPr>
-        <p:spPr/>
-        <p:txBody>
-          <a:bodyPr/>
-          <a:lstStyle/>
-          <a:p>
-            <a:r>
-              <a:rPr lang="en-US" dirty="0" smtClean="0"/>
-              <a:t>Java do-while loop is called an </a:t>
-            </a:r>
-            <a:r>
-              <a:rPr lang="en-US" b="1" dirty="0" smtClean="0"/>
-              <a:t>exit control loop</a:t>
-            </a:r>
-            <a:r>
-              <a:rPr lang="en-US" dirty="0" smtClean="0"/>
-              <a:t>. Therefore, unlike while loop and for loop, the do-while check the condition at the end of loop body</a:t>
+              <a:t>&amp;&amp; </a:t>
+            </a:r>
+          </a:p>
+          <a:p>
+            <a:r>
+              <a:rPr lang="en-US" dirty="0" smtClean="0"/>
+              <a:t>|| </a:t>
+            </a:r>
+          </a:p>
+          <a:p>
+            <a:r>
+              <a:rPr lang="en-US" dirty="0" smtClean="0"/>
+              <a:t>!</a:t>
             </a:r>
             <a:endParaRPr lang="en-US" dirty="0"/>
           </a:p>
@@ -11625,7 +12109,7 @@
           <a:p>
             <a:r>
               <a:rPr lang="en-US" dirty="0" smtClean="0"/>
-              <a:t>Switch</a:t>
+              <a:t>Pre and Post Increment/Decrement</a:t>
             </a:r>
             <a:endParaRPr lang="en-US" dirty="0"/>
           </a:p>
@@ -11643,48 +12127,94 @@
         </p:nvSpPr>
         <p:spPr/>
         <p:txBody>
-          <a:bodyPr/>
-          <a:lstStyle/>
-          <a:p>
-            <a:r>
-              <a:rPr lang="en-US" dirty="0" smtClean="0"/>
-              <a:t>The Java </a:t>
-            </a:r>
-            <a:r>
-              <a:rPr lang="en-US" i="1" dirty="0" smtClean="0"/>
-              <a:t>switch statement</a:t>
-            </a:r>
-            <a:r>
-              <a:rPr lang="en-US" dirty="0" smtClean="0"/>
-              <a:t> executes one statement from multiple conditions</a:t>
-            </a:r>
-          </a:p>
-          <a:p>
-            <a:r>
-              <a:rPr lang="en-US" dirty="0" smtClean="0"/>
-              <a:t>Each case statement can have a </a:t>
-            </a:r>
-            <a:r>
-              <a:rPr lang="en-US" i="1" dirty="0" smtClean="0"/>
-              <a:t>break statement</a:t>
-            </a:r>
-            <a:r>
-              <a:rPr lang="en-US" dirty="0" smtClean="0"/>
-              <a:t> which is optional. When control reaches to the break statement</a:t>
-            </a:r>
-          </a:p>
-          <a:p>
-            <a:r>
-              <a:rPr lang="en-US" dirty="0" smtClean="0"/>
-              <a:t>The case value can have a </a:t>
-            </a:r>
-            <a:r>
-              <a:rPr lang="en-US" i="1" dirty="0" smtClean="0"/>
-              <a:t>default label</a:t>
-            </a:r>
-            <a:r>
-              <a:rPr lang="en-US" dirty="0" smtClean="0"/>
-              <a:t> which is optional</a:t>
+          <a:bodyPr>
+            <a:normAutofit fontScale="92500" lnSpcReduction="10000"/>
+          </a:bodyPr>
+          <a:lstStyle/>
+          <a:p>
+            <a:endParaRPr lang="en-US" dirty="0" smtClean="0"/>
+          </a:p>
+          <a:p>
+            <a:r>
+              <a:rPr lang="en-US" dirty="0" smtClean="0"/>
+              <a:t>If </a:t>
+            </a:r>
+            <a:r>
+              <a:rPr lang="en-US" b="1" dirty="0" smtClean="0"/>
+              <a:t>++ </a:t>
+            </a:r>
+            <a:r>
+              <a:rPr lang="en-US" dirty="0" smtClean="0"/>
+              <a:t>precedes the variable, it is called pre-increment operator and it comes after a variable, it is called post-increment operator.</a:t>
+            </a:r>
+          </a:p>
+          <a:p>
+            <a:r>
+              <a:rPr lang="en-US" b="1" dirty="0" smtClean="0"/>
+              <a:t>Post-Increment (</a:t>
+            </a:r>
+            <a:r>
+              <a:rPr lang="en-US" b="1" dirty="0" err="1" smtClean="0"/>
+              <a:t>i</a:t>
+            </a:r>
+            <a:r>
+              <a:rPr lang="en-US" b="1" dirty="0" smtClean="0"/>
+              <a:t>++) _&gt;</a:t>
+            </a:r>
+            <a:r>
+              <a:rPr lang="en-US" dirty="0" smtClean="0"/>
+              <a:t>we use </a:t>
+            </a:r>
+            <a:r>
+              <a:rPr lang="en-US" dirty="0" err="1" smtClean="0"/>
+              <a:t>i</a:t>
+            </a:r>
+            <a:r>
+              <a:rPr lang="en-US" dirty="0" smtClean="0"/>
+              <a:t>++ in our statement if we want to use the current value, and then we want to increment the value of </a:t>
+            </a:r>
+            <a:r>
+              <a:rPr lang="en-US" b="1" dirty="0" err="1" smtClean="0"/>
+              <a:t>i</a:t>
+            </a:r>
+            <a:r>
+              <a:rPr lang="en-US" dirty="0" smtClean="0"/>
+              <a:t> by 1</a:t>
+            </a:r>
+            <a:endParaRPr lang="en-US" b="1" dirty="0" smtClean="0"/>
+          </a:p>
+          <a:p>
+            <a:r>
+              <a:rPr lang="en-US" b="1" dirty="0" smtClean="0"/>
+              <a:t>Pre-Increment(++</a:t>
+            </a:r>
+            <a:r>
+              <a:rPr lang="en-US" b="1" dirty="0" err="1" smtClean="0"/>
+              <a:t>i</a:t>
+            </a:r>
+            <a:r>
+              <a:rPr lang="en-US" b="1" dirty="0" smtClean="0"/>
+              <a:t>)-&gt;</a:t>
+            </a:r>
+            <a:r>
+              <a:rPr lang="en-US" dirty="0" smtClean="0"/>
+              <a:t>We use ++</a:t>
+            </a:r>
+            <a:r>
+              <a:rPr lang="en-US" dirty="0" err="1" smtClean="0"/>
+              <a:t>i</a:t>
+            </a:r>
+            <a:r>
+              <a:rPr lang="en-US" dirty="0" smtClean="0"/>
+              <a:t> in our statement if we want to increment the value of </a:t>
+            </a:r>
+            <a:r>
+              <a:rPr lang="en-US" b="1" dirty="0" err="1" smtClean="0"/>
+              <a:t>i</a:t>
+            </a:r>
+            <a:r>
+              <a:rPr lang="en-US" dirty="0" smtClean="0"/>
+              <a:t> by 1 and then use it in our statement</a:t>
             </a:r>
             <a:endParaRPr lang="en-US" dirty="0"/>
           </a:p>
@@ -11732,7 +12262,7 @@
           <a:p>
             <a:r>
               <a:rPr lang="en-US" dirty="0" smtClean="0"/>
-              <a:t>Break</a:t>
+              <a:t>Control structures</a:t>
             </a:r>
             <a:endParaRPr lang="en-US" dirty="0"/>
           </a:p>
@@ -11750,26 +12280,49 @@
         </p:nvSpPr>
         <p:spPr/>
         <p:txBody>
-          <a:bodyPr/>
-          <a:lstStyle/>
-          <a:p>
-            <a:r>
-              <a:rPr lang="en-US" dirty="0" smtClean="0"/>
-              <a:t>When a break statement is encountered inside a loop, the loop is immediately terminated and the program control resumes at the next statement following the loop</a:t>
-            </a:r>
-          </a:p>
-          <a:p>
-            <a:r>
-              <a:rPr lang="en-US" dirty="0" smtClean="0"/>
-              <a:t>It breaks the current flow of the program at specified condition</a:t>
-            </a:r>
-          </a:p>
-          <a:p>
-            <a:r>
-              <a:rPr lang="en-US" dirty="0" smtClean="0"/>
-              <a:t>In case of inner loop, it breaks only inner loop</a:t>
-            </a:r>
-            <a:endParaRPr lang="en-US" dirty="0"/>
+          <a:bodyPr>
+            <a:normAutofit lnSpcReduction="10000"/>
+          </a:bodyPr>
+          <a:lstStyle/>
+          <a:p>
+            <a:r>
+              <a:rPr lang="en-US" dirty="0" smtClean="0"/>
+              <a:t>The </a:t>
+            </a:r>
+            <a:r>
+              <a:rPr lang="en-US" i="1" dirty="0" smtClean="0"/>
+              <a:t>while loop</a:t>
+            </a:r>
+            <a:r>
+              <a:rPr lang="en-US" dirty="0" smtClean="0"/>
+              <a:t> is used to iterate a part of the </a:t>
+            </a:r>
+            <a:r>
+              <a:rPr lang="en-US" dirty="0" err="1" smtClean="0"/>
+              <a:t>programe</a:t>
+            </a:r>
+            <a:r>
+              <a:rPr lang="en-US" dirty="0" smtClean="0"/>
+              <a:t> repeatedly until the specified Boolean condition is true. </a:t>
+            </a:r>
+          </a:p>
+          <a:p>
+            <a:r>
+              <a:rPr lang="en-US" dirty="0" smtClean="0"/>
+              <a:t>When the Boolean condition becomes false, the loop automatically stops.</a:t>
+            </a:r>
+          </a:p>
+          <a:p>
+            <a:r>
+              <a:rPr lang="en-US" dirty="0" smtClean="0"/>
+              <a:t>The while loop is considered as a repeating if statement. </a:t>
+            </a:r>
+          </a:p>
+          <a:p>
+            <a:r>
+              <a:rPr lang="en-US" dirty="0" smtClean="0"/>
+              <a:t>If the number of iteration is not fixed, it is recommended to use the while loop</a:t>
+            </a:r>
           </a:p>
         </p:txBody>
       </p:sp>
@@ -11815,7 +12368,7 @@
           <a:p>
             <a:r>
               <a:rPr lang="en-US" dirty="0" smtClean="0"/>
-              <a:t>Continue</a:t>
+              <a:t>Do -while</a:t>
             </a:r>
             <a:endParaRPr lang="en-US" dirty="0"/>
           </a:p>
@@ -11838,15 +12391,15 @@
           <a:p>
             <a:r>
               <a:rPr lang="en-US" dirty="0" smtClean="0"/>
-              <a:t>The Java </a:t>
-            </a:r>
-            <a:r>
-              <a:rPr lang="en-US" i="1" dirty="0" smtClean="0"/>
-              <a:t>continue statement</a:t>
-            </a:r>
-            <a:r>
-              <a:rPr lang="en-US" dirty="0" smtClean="0"/>
-              <a:t> is used to continue the loop. It continues the current flow of the program and skips the remaining code at the specified condition</a:t>
+              <a:t>Java do-while loop is called an </a:t>
+            </a:r>
+            <a:r>
+              <a:rPr lang="en-US" b="1" dirty="0" smtClean="0"/>
+              <a:t>exit control loop</a:t>
+            </a:r>
+            <a:r>
+              <a:rPr lang="en-US" dirty="0" smtClean="0"/>
+              <a:t>. Therefore, unlike while loop and for loop, the do-while check the condition at the end of loop body</a:t>
             </a:r>
             <a:endParaRPr lang="en-US" dirty="0"/>
           </a:p>
@@ -11930,6 +12483,275 @@
             <a:r>
               <a:rPr lang="en-US" dirty="0" smtClean="0"/>
               <a:t>Control Statements</a:t>
+            </a:r>
+            <a:endParaRPr lang="en-US" dirty="0"/>
+          </a:p>
+        </p:txBody>
+      </p:sp>
+    </p:spTree>
+  </p:cSld>
+  <p:clrMapOvr>
+    <a:masterClrMapping/>
+  </p:clrMapOvr>
+</p:sld>
+</file>
+
+<file path=ppt/slides/slide50.xml><?xml version="1.0" encoding="utf-8"?>
+<p:sld xmlns:a="http://schemas.openxmlformats.org/drawingml/2006/main" xmlns:r="http://schemas.openxmlformats.org/officeDocument/2006/relationships" xmlns:p="http://schemas.openxmlformats.org/presentationml/2006/main">
+  <p:cSld>
+    <p:spTree>
+      <p:nvGrpSpPr>
+        <p:cNvPr id="1" name=""/>
+        <p:cNvGrpSpPr/>
+        <p:nvPr/>
+      </p:nvGrpSpPr>
+      <p:grpSpPr>
+        <a:xfrm>
+          <a:off x="0" y="0"/>
+          <a:ext cx="0" cy="0"/>
+          <a:chOff x="0" y="0"/>
+          <a:chExt cx="0" cy="0"/>
+        </a:xfrm>
+      </p:grpSpPr>
+      <p:sp>
+        <p:nvSpPr>
+          <p:cNvPr id="2" name="Title 1"/>
+          <p:cNvSpPr>
+            <a:spLocks noGrp="1"/>
+          </p:cNvSpPr>
+          <p:nvPr>
+            <p:ph type="title"/>
+          </p:nvPr>
+        </p:nvSpPr>
+        <p:spPr/>
+        <p:txBody>
+          <a:bodyPr/>
+          <a:lstStyle/>
+          <a:p>
+            <a:r>
+              <a:rPr lang="en-US" dirty="0" smtClean="0"/>
+              <a:t>Switch</a:t>
+            </a:r>
+            <a:endParaRPr lang="en-US" dirty="0"/>
+          </a:p>
+        </p:txBody>
+      </p:sp>
+      <p:sp>
+        <p:nvSpPr>
+          <p:cNvPr id="3" name="Content Placeholder 2"/>
+          <p:cNvSpPr>
+            <a:spLocks noGrp="1"/>
+          </p:cNvSpPr>
+          <p:nvPr>
+            <p:ph idx="1"/>
+          </p:nvPr>
+        </p:nvSpPr>
+        <p:spPr/>
+        <p:txBody>
+          <a:bodyPr/>
+          <a:lstStyle/>
+          <a:p>
+            <a:r>
+              <a:rPr lang="en-US" dirty="0" smtClean="0"/>
+              <a:t>The Java </a:t>
+            </a:r>
+            <a:r>
+              <a:rPr lang="en-US" i="1" dirty="0" smtClean="0"/>
+              <a:t>switch statement</a:t>
+            </a:r>
+            <a:r>
+              <a:rPr lang="en-US" dirty="0" smtClean="0"/>
+              <a:t> executes one statement from multiple conditions</a:t>
+            </a:r>
+          </a:p>
+          <a:p>
+            <a:r>
+              <a:rPr lang="en-US" dirty="0" smtClean="0"/>
+              <a:t>Each case statement can have a </a:t>
+            </a:r>
+            <a:r>
+              <a:rPr lang="en-US" i="1" dirty="0" smtClean="0"/>
+              <a:t>break statement</a:t>
+            </a:r>
+            <a:r>
+              <a:rPr lang="en-US" dirty="0" smtClean="0"/>
+              <a:t> which is optional. When control reaches to the break statement</a:t>
+            </a:r>
+          </a:p>
+          <a:p>
+            <a:r>
+              <a:rPr lang="en-US" dirty="0" smtClean="0"/>
+              <a:t>The case value can have a </a:t>
+            </a:r>
+            <a:r>
+              <a:rPr lang="en-US" i="1" dirty="0" smtClean="0"/>
+              <a:t>default label</a:t>
+            </a:r>
+            <a:r>
+              <a:rPr lang="en-US" dirty="0" smtClean="0"/>
+              <a:t> which is optional</a:t>
+            </a:r>
+            <a:endParaRPr lang="en-US" dirty="0"/>
+          </a:p>
+        </p:txBody>
+      </p:sp>
+    </p:spTree>
+  </p:cSld>
+  <p:clrMapOvr>
+    <a:masterClrMapping/>
+  </p:clrMapOvr>
+</p:sld>
+</file>
+
+<file path=ppt/slides/slide51.xml><?xml version="1.0" encoding="utf-8"?>
+<p:sld xmlns:a="http://schemas.openxmlformats.org/drawingml/2006/main" xmlns:r="http://schemas.openxmlformats.org/officeDocument/2006/relationships" xmlns:p="http://schemas.openxmlformats.org/presentationml/2006/main">
+  <p:cSld>
+    <p:spTree>
+      <p:nvGrpSpPr>
+        <p:cNvPr id="1" name=""/>
+        <p:cNvGrpSpPr/>
+        <p:nvPr/>
+      </p:nvGrpSpPr>
+      <p:grpSpPr>
+        <a:xfrm>
+          <a:off x="0" y="0"/>
+          <a:ext cx="0" cy="0"/>
+          <a:chOff x="0" y="0"/>
+          <a:chExt cx="0" cy="0"/>
+        </a:xfrm>
+      </p:grpSpPr>
+      <p:sp>
+        <p:nvSpPr>
+          <p:cNvPr id="2" name="Title 1"/>
+          <p:cNvSpPr>
+            <a:spLocks noGrp="1"/>
+          </p:cNvSpPr>
+          <p:nvPr>
+            <p:ph type="title"/>
+          </p:nvPr>
+        </p:nvSpPr>
+        <p:spPr/>
+        <p:txBody>
+          <a:bodyPr/>
+          <a:lstStyle/>
+          <a:p>
+            <a:r>
+              <a:rPr lang="en-US" dirty="0" smtClean="0"/>
+              <a:t>Break</a:t>
+            </a:r>
+            <a:endParaRPr lang="en-US" dirty="0"/>
+          </a:p>
+        </p:txBody>
+      </p:sp>
+      <p:sp>
+        <p:nvSpPr>
+          <p:cNvPr id="3" name="Content Placeholder 2"/>
+          <p:cNvSpPr>
+            <a:spLocks noGrp="1"/>
+          </p:cNvSpPr>
+          <p:nvPr>
+            <p:ph idx="1"/>
+          </p:nvPr>
+        </p:nvSpPr>
+        <p:spPr/>
+        <p:txBody>
+          <a:bodyPr/>
+          <a:lstStyle/>
+          <a:p>
+            <a:r>
+              <a:rPr lang="en-US" dirty="0" smtClean="0"/>
+              <a:t>When a break statement is encountered inside a loop, the loop is immediately terminated and the program control resumes at the next statement following the loop</a:t>
+            </a:r>
+          </a:p>
+          <a:p>
+            <a:r>
+              <a:rPr lang="en-US" dirty="0" smtClean="0"/>
+              <a:t>It breaks the current flow of the program at specified condition</a:t>
+            </a:r>
+          </a:p>
+          <a:p>
+            <a:r>
+              <a:rPr lang="en-US" dirty="0" smtClean="0"/>
+              <a:t>In case of inner loop, it breaks only inner loop</a:t>
+            </a:r>
+            <a:endParaRPr lang="en-US" dirty="0"/>
+          </a:p>
+        </p:txBody>
+      </p:sp>
+    </p:spTree>
+  </p:cSld>
+  <p:clrMapOvr>
+    <a:masterClrMapping/>
+  </p:clrMapOvr>
+</p:sld>
+</file>
+
+<file path=ppt/slides/slide52.xml><?xml version="1.0" encoding="utf-8"?>
+<p:sld xmlns:a="http://schemas.openxmlformats.org/drawingml/2006/main" xmlns:r="http://schemas.openxmlformats.org/officeDocument/2006/relationships" xmlns:p="http://schemas.openxmlformats.org/presentationml/2006/main">
+  <p:cSld>
+    <p:spTree>
+      <p:nvGrpSpPr>
+        <p:cNvPr id="1" name=""/>
+        <p:cNvGrpSpPr/>
+        <p:nvPr/>
+      </p:nvGrpSpPr>
+      <p:grpSpPr>
+        <a:xfrm>
+          <a:off x="0" y="0"/>
+          <a:ext cx="0" cy="0"/>
+          <a:chOff x="0" y="0"/>
+          <a:chExt cx="0" cy="0"/>
+        </a:xfrm>
+      </p:grpSpPr>
+      <p:sp>
+        <p:nvSpPr>
+          <p:cNvPr id="2" name="Title 1"/>
+          <p:cNvSpPr>
+            <a:spLocks noGrp="1"/>
+          </p:cNvSpPr>
+          <p:nvPr>
+            <p:ph type="title"/>
+          </p:nvPr>
+        </p:nvSpPr>
+        <p:spPr/>
+        <p:txBody>
+          <a:bodyPr/>
+          <a:lstStyle/>
+          <a:p>
+            <a:r>
+              <a:rPr lang="en-US" dirty="0" smtClean="0"/>
+              <a:t>Continue</a:t>
+            </a:r>
+            <a:endParaRPr lang="en-US" dirty="0"/>
+          </a:p>
+        </p:txBody>
+      </p:sp>
+      <p:sp>
+        <p:nvSpPr>
+          <p:cNvPr id="3" name="Content Placeholder 2"/>
+          <p:cNvSpPr>
+            <a:spLocks noGrp="1"/>
+          </p:cNvSpPr>
+          <p:nvPr>
+            <p:ph idx="1"/>
+          </p:nvPr>
+        </p:nvSpPr>
+        <p:spPr/>
+        <p:txBody>
+          <a:bodyPr/>
+          <a:lstStyle/>
+          <a:p>
+            <a:r>
+              <a:rPr lang="en-US" dirty="0" smtClean="0"/>
+              <a:t>The Java </a:t>
+            </a:r>
+            <a:r>
+              <a:rPr lang="en-US" i="1" dirty="0" smtClean="0"/>
+              <a:t>continue statement</a:t>
+            </a:r>
+            <a:r>
+              <a:rPr lang="en-US" dirty="0" smtClean="0"/>
+              <a:t> is used to continue the loop. It continues the current flow of the program and skips the remaining code at the specified condition</a:t>
             </a:r>
             <a:endParaRPr lang="en-US" dirty="0"/>
           </a:p>
